--- a/English/2.Preparing data/2.Basic Transfrormations continuation .pptx
+++ b/English/2.Preparing data/2.Basic Transfrormations continuation .pptx
@@ -19,7 +19,7 @@
   <p:notesSz cx="6858000" cy="9144000"/>
   <p:defaultTextStyle>
     <a:defPPr>
-      <a:defRPr lang="en-US"/>
+      <a:defRPr lang="en"/>
     </a:defPPr>
     <a:lvl1pPr marL="0" algn="l" defTabSz="914400" rtl="0" eaLnBrk="1" latinLnBrk="0" hangingPunct="1">
       <a:defRPr sz="1800" kern="1200">
@@ -202,7 +202,7 @@
           <a:p>
             <a:fld id="{056BA3B8-9F76-4D81-B71D-76CB85363062}" type="datetimeFigureOut">
               <a:rPr lang="en-US" smtClean="0"/>
-              <a:t>1/1/2025</a:t>
+              <a:t>2/25/2025</a:t>
             </a:fld>
             <a:endParaRPr lang="en-US"/>
           </a:p>
@@ -601,7 +601,7 @@
           <a:p>
             <a:fld id="{6F01DA4D-20EA-48D2-973C-0311EC3005D6}" type="datetimeFigureOut">
               <a:rPr lang="en-US" smtClean="0"/>
-              <a:t>1/1/2025</a:t>
+              <a:t>2/25/2025</a:t>
             </a:fld>
             <a:endParaRPr lang="en-US"/>
           </a:p>
@@ -771,7 +771,7 @@
           <a:p>
             <a:fld id="{6F01DA4D-20EA-48D2-973C-0311EC3005D6}" type="datetimeFigureOut">
               <a:rPr lang="en-US" smtClean="0"/>
-              <a:t>1/1/2025</a:t>
+              <a:t>2/25/2025</a:t>
             </a:fld>
             <a:endParaRPr lang="en-US"/>
           </a:p>
@@ -951,7 +951,7 @@
           <a:p>
             <a:fld id="{6F01DA4D-20EA-48D2-973C-0311EC3005D6}" type="datetimeFigureOut">
               <a:rPr lang="en-US" smtClean="0"/>
-              <a:t>1/1/2025</a:t>
+              <a:t>2/25/2025</a:t>
             </a:fld>
             <a:endParaRPr lang="en-US"/>
           </a:p>
@@ -1121,7 +1121,7 @@
           <a:p>
             <a:fld id="{6F01DA4D-20EA-48D2-973C-0311EC3005D6}" type="datetimeFigureOut">
               <a:rPr lang="en-US" smtClean="0"/>
-              <a:t>1/1/2025</a:t>
+              <a:t>2/25/2025</a:t>
             </a:fld>
             <a:endParaRPr lang="en-US"/>
           </a:p>
@@ -1367,7 +1367,7 @@
           <a:p>
             <a:fld id="{6F01DA4D-20EA-48D2-973C-0311EC3005D6}" type="datetimeFigureOut">
               <a:rPr lang="en-US" smtClean="0"/>
-              <a:t>1/1/2025</a:t>
+              <a:t>2/25/2025</a:t>
             </a:fld>
             <a:endParaRPr lang="en-US"/>
           </a:p>
@@ -1599,7 +1599,7 @@
           <a:p>
             <a:fld id="{6F01DA4D-20EA-48D2-973C-0311EC3005D6}" type="datetimeFigureOut">
               <a:rPr lang="en-US" smtClean="0"/>
-              <a:t>1/1/2025</a:t>
+              <a:t>2/25/2025</a:t>
             </a:fld>
             <a:endParaRPr lang="en-US"/>
           </a:p>
@@ -1966,7 +1966,7 @@
           <a:p>
             <a:fld id="{6F01DA4D-20EA-48D2-973C-0311EC3005D6}" type="datetimeFigureOut">
               <a:rPr lang="en-US" smtClean="0"/>
-              <a:t>1/1/2025</a:t>
+              <a:t>2/25/2025</a:t>
             </a:fld>
             <a:endParaRPr lang="en-US"/>
           </a:p>
@@ -2084,7 +2084,7 @@
           <a:p>
             <a:fld id="{6F01DA4D-20EA-48D2-973C-0311EC3005D6}" type="datetimeFigureOut">
               <a:rPr lang="en-US" smtClean="0"/>
-              <a:t>1/1/2025</a:t>
+              <a:t>2/25/2025</a:t>
             </a:fld>
             <a:endParaRPr lang="en-US"/>
           </a:p>
@@ -2179,7 +2179,7 @@
           <a:p>
             <a:fld id="{6F01DA4D-20EA-48D2-973C-0311EC3005D6}" type="datetimeFigureOut">
               <a:rPr lang="en-US" smtClean="0"/>
-              <a:t>1/1/2025</a:t>
+              <a:t>2/25/2025</a:t>
             </a:fld>
             <a:endParaRPr lang="en-US"/>
           </a:p>
@@ -2456,7 +2456,7 @@
           <a:p>
             <a:fld id="{6F01DA4D-20EA-48D2-973C-0311EC3005D6}" type="datetimeFigureOut">
               <a:rPr lang="en-US" smtClean="0"/>
-              <a:t>1/1/2025</a:t>
+              <a:t>2/25/2025</a:t>
             </a:fld>
             <a:endParaRPr lang="en-US"/>
           </a:p>
@@ -2709,7 +2709,7 @@
           <a:p>
             <a:fld id="{6F01DA4D-20EA-48D2-973C-0311EC3005D6}" type="datetimeFigureOut">
               <a:rPr lang="en-US" smtClean="0"/>
-              <a:t>1/1/2025</a:t>
+              <a:t>2/25/2025</a:t>
             </a:fld>
             <a:endParaRPr lang="en-US"/>
           </a:p>
@@ -2922,7 +2922,7 @@
           <a:p>
             <a:fld id="{6F01DA4D-20EA-48D2-973C-0311EC3005D6}" type="datetimeFigureOut">
               <a:rPr lang="en-US" smtClean="0"/>
-              <a:t>1/1/2025</a:t>
+              <a:t>2/25/2025</a:t>
             </a:fld>
             <a:endParaRPr lang="en-US"/>
           </a:p>
@@ -3343,8 +3343,8 @@
         </p:nvSpPr>
         <p:spPr>
           <a:xfrm>
-            <a:off x="753992" y="2112804"/>
-            <a:ext cx="10656892" cy="2554545"/>
+            <a:off x="637114" y="1480286"/>
+            <a:ext cx="10656892" cy="3785652"/>
           </a:xfrm>
           <a:prstGeom prst="rect">
             <a:avLst/>
@@ -3357,9 +3357,9 @@
           </a:bodyPr>
           <a:lstStyle/>
           <a:p>
-            <a:pPr algn="ctr"/>
-            <a:r>
-              <a:rPr lang="en-US" sz="8000" b="1" dirty="0" smtClean="0">
+            <a:pPr xmlns:a="http://schemas.openxmlformats.org/drawingml/2006/main" algn="ctr"/>
+            <a:r xmlns:a="http://schemas.openxmlformats.org/drawingml/2006/main">
+              <a:rPr lang="en" sz="8000" b="1" dirty="0">
                 <a:solidFill>
                   <a:srgbClr val="7030A0"/>
                 </a:solidFill>
@@ -3367,10 +3367,10 @@
                 <a:ea typeface="Verdana" panose="020B0604030504040204" pitchFamily="34" charset="0"/>
                 <a:cs typeface="Segoe UI" panose="020B0502040204020203" pitchFamily="34" charset="0"/>
               </a:rPr>
-              <a:t>Basic </a:t>
-            </a:r>
-            <a:r>
-              <a:rPr lang="en-US" sz="8000" b="1" dirty="0" smtClean="0">
+              <a:t>The </a:t>
+            </a:r>
+            <a:r xmlns:a="http://schemas.openxmlformats.org/drawingml/2006/main">
+              <a:rPr lang="en" sz="8000" b="1" dirty="0" smtClean="0">
                 <a:solidFill>
                   <a:srgbClr val="7030A0"/>
                 </a:solidFill>
@@ -3382,9 +3382,9 @@
             </a:r>
           </a:p>
           <a:p>
-            <a:pPr algn="ctr"/>
-            <a:r>
-              <a:rPr lang="fr-FR" sz="8000" b="1" dirty="0" smtClean="0">
+            <a:pPr xmlns:a="http://schemas.openxmlformats.org/drawingml/2006/main" algn="ctr"/>
+            <a:r xmlns:a="http://schemas.openxmlformats.org/drawingml/2006/main">
+              <a:rPr lang="en" sz="8000" b="1" dirty="0" smtClean="0">
                 <a:solidFill>
                   <a:srgbClr val="7030A0"/>
                 </a:solidFill>
@@ -3392,9 +3392,23 @@
                 <a:ea typeface="Verdana" panose="020B0604030504040204" pitchFamily="34" charset="0"/>
                 <a:cs typeface="Segoe UI" panose="020B0502040204020203" pitchFamily="34" charset="0"/>
               </a:rPr>
-              <a:t>continuation</a:t>
-            </a:r>
-            <a:endParaRPr lang="en-US" sz="7200" b="1" dirty="0">
+              <a:t>Basics</a:t>
+            </a:r>
+          </a:p>
+          <a:p>
+            <a:pPr xmlns:a="http://schemas.openxmlformats.org/drawingml/2006/main" algn="ctr"/>
+            <a:r xmlns:a="http://schemas.openxmlformats.org/drawingml/2006/main">
+              <a:rPr lang="en" sz="8000" b="1" dirty="0" smtClean="0">
+                <a:solidFill>
+                  <a:srgbClr val="7030A0"/>
+                </a:solidFill>
+                <a:latin typeface="Segoe UI" panose="020B0502040204020203" pitchFamily="34" charset="0"/>
+                <a:ea typeface="Verdana" panose="020B0604030504040204" pitchFamily="34" charset="0"/>
+                <a:cs typeface="Segoe UI" panose="020B0502040204020203" pitchFamily="34" charset="0"/>
+              </a:rPr>
+              <a:t>Part II</a:t>
+            </a:r>
+            <a:endParaRPr xmlns:a="http://schemas.openxmlformats.org/drawingml/2006/main" lang="en-US" sz="8000" b="1" dirty="0" smtClean="0">
               <a:solidFill>
                 <a:srgbClr val="7030A0"/>
               </a:solidFill>
@@ -3407,14 +3421,14 @@
       </p:sp>
       <p:sp>
         <p:nvSpPr>
-          <p:cNvPr id="4" name="TextBox 3"/>
+          <p:cNvPr id="5" name="TextBox 4"/>
           <p:cNvSpPr txBox="1"/>
           <p:nvPr/>
         </p:nvSpPr>
         <p:spPr>
           <a:xfrm>
-            <a:off x="753992" y="2032233"/>
-            <a:ext cx="10656892" cy="2554545"/>
+            <a:off x="562633" y="1426430"/>
+            <a:ext cx="10656892" cy="3785652"/>
           </a:xfrm>
           <a:prstGeom prst="rect">
             <a:avLst/>
@@ -3422,14 +3436,14 @@
           <a:noFill/>
         </p:spPr>
         <p:txBody>
-          <a:bodyPr wrap="none" rtlCol="0">
+          <a:bodyPr wrap="square" rtlCol="0">
             <a:spAutoFit/>
           </a:bodyPr>
           <a:lstStyle/>
           <a:p>
-            <a:pPr algn="ctr"/>
-            <a:r>
-              <a:rPr lang="en-US" sz="8000" b="1" dirty="0" smtClean="0">
+            <a:pPr xmlns:a="http://schemas.openxmlformats.org/drawingml/2006/main" algn="ctr"/>
+            <a:r xmlns:a="http://schemas.openxmlformats.org/drawingml/2006/main">
+              <a:rPr lang="en" sz="8000" b="1" dirty="0">
                 <a:solidFill>
                   <a:schemeClr val="bg1"/>
                 </a:solidFill>
@@ -3437,10 +3451,10 @@
                 <a:ea typeface="Verdana" panose="020B0604030504040204" pitchFamily="34" charset="0"/>
                 <a:cs typeface="Segoe UI" panose="020B0502040204020203" pitchFamily="34" charset="0"/>
               </a:rPr>
-              <a:t>Basic </a:t>
-            </a:r>
-            <a:r>
-              <a:rPr lang="en-US" sz="8000" b="1" dirty="0" smtClean="0">
+              <a:t>The </a:t>
+            </a:r>
+            <a:r xmlns:a="http://schemas.openxmlformats.org/drawingml/2006/main">
+              <a:rPr lang="en" sz="8000" b="1" dirty="0" smtClean="0">
                 <a:solidFill>
                   <a:schemeClr val="bg1"/>
                 </a:solidFill>
@@ -3452,9 +3466,9 @@
             </a:r>
           </a:p>
           <a:p>
-            <a:pPr algn="ctr"/>
-            <a:r>
-              <a:rPr lang="fr-FR" sz="8000" b="1" dirty="0" smtClean="0">
+            <a:pPr xmlns:a="http://schemas.openxmlformats.org/drawingml/2006/main" algn="ctr"/>
+            <a:r xmlns:a="http://schemas.openxmlformats.org/drawingml/2006/main">
+              <a:rPr lang="en" sz="8000" b="1" dirty="0" smtClean="0">
                 <a:solidFill>
                   <a:schemeClr val="bg1"/>
                 </a:solidFill>
@@ -3462,9 +3476,23 @@
                 <a:ea typeface="Verdana" panose="020B0604030504040204" pitchFamily="34" charset="0"/>
                 <a:cs typeface="Segoe UI" panose="020B0502040204020203" pitchFamily="34" charset="0"/>
               </a:rPr>
-              <a:t>continuation</a:t>
-            </a:r>
-            <a:endParaRPr lang="en-US" sz="8000" b="1" dirty="0">
+              <a:t>Basics</a:t>
+            </a:r>
+          </a:p>
+          <a:p>
+            <a:pPr xmlns:a="http://schemas.openxmlformats.org/drawingml/2006/main" algn="ctr"/>
+            <a:r xmlns:a="http://schemas.openxmlformats.org/drawingml/2006/main">
+              <a:rPr lang="en" sz="8000" b="1" dirty="0" smtClean="0">
+                <a:solidFill>
+                  <a:schemeClr val="bg1"/>
+                </a:solidFill>
+                <a:latin typeface="Segoe UI" panose="020B0502040204020203" pitchFamily="34" charset="0"/>
+                <a:ea typeface="Verdana" panose="020B0604030504040204" pitchFamily="34" charset="0"/>
+                <a:cs typeface="Segoe UI" panose="020B0502040204020203" pitchFamily="34" charset="0"/>
+              </a:rPr>
+              <a:t>Part II</a:t>
+            </a:r>
+            <a:endParaRPr xmlns:a="http://schemas.openxmlformats.org/drawingml/2006/main" lang="en-US" sz="8000" b="1" dirty="0" smtClean="0">
               <a:solidFill>
                 <a:schemeClr val="bg1"/>
               </a:solidFill>
@@ -3514,7 +3542,7 @@
         <p:spPr>
           <a:xfrm>
             <a:off x="288081" y="322379"/>
-            <a:ext cx="2579552" cy="369332"/>
+            <a:ext cx="3884397" cy="369332"/>
           </a:xfrm>
           <a:prstGeom prst="rect">
             <a:avLst/>
@@ -3526,15 +3554,47 @@
           </a:bodyPr>
           <a:lstStyle/>
           <a:p>
-            <a:r>
-              <a:rPr lang="en-US" b="1" kern="0" dirty="0" smtClean="0">
+            <a:r xmlns:a="http://schemas.openxmlformats.org/drawingml/2006/main">
+              <a:rPr lang="en" b="1" kern="0" dirty="0" err="1" smtClean="0">
                 <a:latin typeface="Segoe UI" panose="020B0502040204020203" pitchFamily="34" charset="0"/>
                 <a:ea typeface="Times New Roman" panose="02020603050405020304" pitchFamily="18" charset="0"/>
                 <a:cs typeface="Times New Roman" panose="02020603050405020304" pitchFamily="18" charset="0"/>
               </a:rPr>
-              <a:t>Basic Transformations</a:t>
-            </a:r>
-            <a:endParaRPr lang="en-US" b="1" dirty="0"/>
+              <a:t>Basic </a:t>
+            </a:r>
+            <a:r xmlns:a="http://schemas.openxmlformats.org/drawingml/2006/main">
+              <a:rPr lang="en" b="1" kern="0" dirty="0" smtClean="0">
+                <a:latin typeface="Segoe UI" panose="020B0502040204020203" pitchFamily="34" charset="0"/>
+                <a:ea typeface="Times New Roman" panose="02020603050405020304" pitchFamily="18" charset="0"/>
+                <a:cs typeface="Times New Roman" panose="02020603050405020304" pitchFamily="18" charset="0"/>
+              </a:rPr>
+              <a:t>transformations</a:t>
+            </a:r>
+            <a:r xmlns:a="http://schemas.openxmlformats.org/drawingml/2006/main">
+              <a:rPr lang="en" b="1" kern="0" dirty="0" smtClean="0">
+                <a:latin typeface="Segoe UI" panose="020B0502040204020203" pitchFamily="34" charset="0"/>
+                <a:ea typeface="Times New Roman" panose="02020603050405020304" pitchFamily="18" charset="0"/>
+                <a:cs typeface="Times New Roman" panose="02020603050405020304" pitchFamily="18" charset="0"/>
+              </a:rPr>
+              <a:t> </a:t>
+            </a:r>
+            <a:r xmlns:a="http://schemas.openxmlformats.org/drawingml/2006/main">
+              <a:rPr lang="en" b="1" kern="0" dirty="0" err="1" smtClean="0">
+                <a:latin typeface="Segoe UI" panose="020B0502040204020203" pitchFamily="34" charset="0"/>
+                <a:ea typeface="Times New Roman" panose="02020603050405020304" pitchFamily="18" charset="0"/>
+                <a:cs typeface="Times New Roman" panose="02020603050405020304" pitchFamily="18" charset="0"/>
+              </a:rPr>
+              <a:t>Part </a:t>
+            </a:r>
+            <a:r xmlns:a="http://schemas.openxmlformats.org/drawingml/2006/main">
+              <a:rPr lang="en" b="1" kern="0" dirty="0" smtClean="0">
+                <a:latin typeface="Segoe UI" panose="020B0502040204020203" pitchFamily="34" charset="0"/>
+                <a:ea typeface="Times New Roman" panose="02020603050405020304" pitchFamily="18" charset="0"/>
+                <a:cs typeface="Times New Roman" panose="02020603050405020304" pitchFamily="18" charset="0"/>
+              </a:rPr>
+              <a:t>II</a:t>
+            </a:r>
+            <a:endParaRPr xmlns:a="http://schemas.openxmlformats.org/drawingml/2006/main" lang="en-US" b="1" dirty="0"/>
           </a:p>
         </p:txBody>
       </p:sp>
@@ -3546,7 +3606,7 @@
         </p:nvSpPr>
         <p:spPr>
           <a:xfrm>
-            <a:off x="288081" y="771873"/>
+            <a:off x="442403" y="793817"/>
             <a:ext cx="10815348" cy="366895"/>
           </a:xfrm>
           <a:prstGeom prst="rect">
@@ -3559,7 +3619,7 @@
           </a:bodyPr>
           <a:lstStyle/>
           <a:p>
-            <a:pPr>
+            <a:pPr xmlns:a="http://schemas.openxmlformats.org/drawingml/2006/main">
               <a:lnSpc>
                 <a:spcPct val="107000"/>
               </a:lnSpc>
@@ -3570,71 +3630,71 @@
                 <a:spcPts val="0"/>
               </a:spcAft>
             </a:pPr>
-            <a:r>
-              <a:rPr lang="en-US" b="1" kern="0" dirty="0" smtClean="0">
+            <a:r xmlns:a="http://schemas.openxmlformats.org/drawingml/2006/main">
+              <a:rPr lang="en" b="1" kern="0" dirty="0" smtClean="0">
                 <a:latin typeface="Segoe UI" panose="020B0502040204020203" pitchFamily="34" charset="0"/>
                 <a:ea typeface="Times New Roman" panose="02020603050405020304" pitchFamily="18" charset="0"/>
                 <a:cs typeface="Times New Roman" panose="02020603050405020304" pitchFamily="18" charset="0"/>
               </a:rPr>
               <a:t>Note: </a:t>
             </a:r>
-            <a:r>
-              <a:rPr lang="en-US" kern="0" dirty="0" smtClean="0">
+            <a:r xmlns:a="http://schemas.openxmlformats.org/drawingml/2006/main">
+              <a:rPr lang="en" kern="0" dirty="0" smtClean="0">
                 <a:latin typeface="Segoe UI" panose="020B0502040204020203" pitchFamily="34" charset="0"/>
                 <a:ea typeface="Times New Roman" panose="02020603050405020304" pitchFamily="18" charset="0"/>
                 <a:cs typeface="Times New Roman" panose="02020603050405020304" pitchFamily="18" charset="0"/>
               </a:rPr>
-              <a:t>This Lab uses</a:t>
-            </a:r>
-            <a:r>
-              <a:rPr lang="en-US" b="1" kern="0" dirty="0" smtClean="0">
+              <a:t>This Lab uses </a:t>
+            </a:r>
+            <a:r xmlns:a="http://schemas.openxmlformats.org/drawingml/2006/main">
+              <a:rPr lang="en" b="1" kern="0" dirty="0" smtClean="0">
                 <a:latin typeface="Segoe UI" panose="020B0502040204020203" pitchFamily="34" charset="0"/>
                 <a:ea typeface="Times New Roman" panose="02020603050405020304" pitchFamily="18" charset="0"/>
                 <a:cs typeface="Times New Roman" panose="02020603050405020304" pitchFamily="18" charset="0"/>
               </a:rPr>
-              <a:t> the DimEmployees.csv </a:t>
-            </a:r>
-            <a:r>
-              <a:rPr lang="en-US" kern="0" dirty="0" smtClean="0">
+              <a:t>the DimEmployees.csv </a:t>
+            </a:r>
+            <a:r xmlns:a="http://schemas.openxmlformats.org/drawingml/2006/main">
+              <a:rPr lang="en" kern="0" dirty="0" smtClean="0">
                 <a:latin typeface="Segoe UI" panose="020B0502040204020203" pitchFamily="34" charset="0"/>
                 <a:ea typeface="Times New Roman" panose="02020603050405020304" pitchFamily="18" charset="0"/>
                 <a:cs typeface="Times New Roman" panose="02020603050405020304" pitchFamily="18" charset="0"/>
               </a:rPr>
               <a:t>file located in the </a:t>
             </a:r>
-            <a:r>
-              <a:rPr lang="en-US" b="1" kern="0" dirty="0" smtClean="0">
+            <a:r xmlns:a="http://schemas.openxmlformats.org/drawingml/2006/main">
+              <a:rPr lang="en" b="1" kern="0" dirty="0" smtClean="0">
                 <a:latin typeface="Segoe UI" panose="020B0502040204020203" pitchFamily="34" charset="0"/>
                 <a:ea typeface="Times New Roman" panose="02020603050405020304" pitchFamily="18" charset="0"/>
                 <a:cs typeface="Times New Roman" panose="02020603050405020304" pitchFamily="18" charset="0"/>
               </a:rPr>
               <a:t>resources/ </a:t>
             </a:r>
-            <a:r>
-              <a:rPr lang="en-US" b="1" kern="0" dirty="0" err="1" smtClean="0">
+            <a:r xmlns:a="http://schemas.openxmlformats.org/drawingml/2006/main">
+              <a:rPr lang="en" b="1" kern="0" dirty="0" err="1" smtClean="0">
                 <a:latin typeface="Segoe UI" panose="020B0502040204020203" pitchFamily="34" charset="0"/>
                 <a:ea typeface="Times New Roman" panose="02020603050405020304" pitchFamily="18" charset="0"/>
                 <a:cs typeface="Times New Roman" panose="02020603050405020304" pitchFamily="18" charset="0"/>
               </a:rPr>
-              <a:t>CSVSources</a:t>
-            </a:r>
-            <a:r>
-              <a:rPr lang="en-US" b="1" kern="0" dirty="0" smtClean="0">
+              <a:t>CSVSources </a:t>
+            </a:r>
+            <a:r xmlns:a="http://schemas.openxmlformats.org/drawingml/2006/main">
+              <a:rPr lang="en" b="1" kern="0" dirty="0" smtClean="0">
                 <a:latin typeface="Segoe UI" panose="020B0502040204020203" pitchFamily="34" charset="0"/>
                 <a:ea typeface="Times New Roman" panose="02020603050405020304" pitchFamily="18" charset="0"/>
                 <a:cs typeface="Times New Roman" panose="02020603050405020304" pitchFamily="18" charset="0"/>
               </a:rPr>
-              <a:t> folder</a:t>
-            </a:r>
-            <a:r>
-              <a:rPr lang="en-US" kern="0" dirty="0" smtClean="0">
+              <a:t>folder</a:t>
+            </a:r>
+            <a:r xmlns:a="http://schemas.openxmlformats.org/drawingml/2006/main">
+              <a:rPr lang="en" kern="0" dirty="0" smtClean="0">
                 <a:latin typeface="Segoe UI" panose="020B0502040204020203" pitchFamily="34" charset="0"/>
                 <a:ea typeface="Times New Roman" panose="02020603050405020304" pitchFamily="18" charset="0"/>
                 <a:cs typeface="Times New Roman" panose="02020603050405020304" pitchFamily="18" charset="0"/>
               </a:rPr>
               <a:t> </a:t>
             </a:r>
-            <a:endParaRPr lang="en-US" sz="2800" b="1" kern="0" dirty="0">
+            <a:endParaRPr xmlns:a="http://schemas.openxmlformats.org/drawingml/2006/main" lang="en-US" sz="2800" b="1" kern="0" dirty="0">
               <a:effectLst/>
               <a:latin typeface="Segoe UI" panose="020B0502040204020203" pitchFamily="34" charset="0"/>
               <a:ea typeface="Times New Roman" panose="02020603050405020304" pitchFamily="18" charset="0"/>
@@ -3651,8 +3711,8 @@
         </p:nvSpPr>
         <p:spPr>
           <a:xfrm>
-            <a:off x="288081" y="1218930"/>
-            <a:ext cx="3871060" cy="373692"/>
+            <a:off x="442403" y="1208379"/>
+            <a:ext cx="4291816" cy="404983"/>
           </a:xfrm>
           <a:prstGeom prst="rect">
             <a:avLst/>
@@ -3664,7 +3724,7 @@
           </a:bodyPr>
           <a:lstStyle/>
           <a:p>
-            <a:pPr lvl="0">
+            <a:pPr xmlns:a="http://schemas.openxmlformats.org/drawingml/2006/main" lvl="0">
               <a:lnSpc>
                 <a:spcPct val="107000"/>
               </a:lnSpc>
@@ -3672,39 +3732,39 @@
                 <a:spcPts val="800"/>
               </a:spcAft>
             </a:pPr>
-            <a:r>
-              <a:rPr lang="fr-FR" b="1" dirty="0" err="1">
+            <a:r xmlns:a="http://schemas.openxmlformats.org/drawingml/2006/main">
+              <a:rPr lang="en" sz="2000" b="1" dirty="0" err="1">
                 <a:latin typeface="Calibri" panose="020F0502020204030204" pitchFamily="34" charset="0"/>
                 <a:ea typeface="Calibri" panose="020F0502020204030204" pitchFamily="34" charset="0"/>
                 <a:cs typeface="Times New Roman" panose="02020603050405020304" pitchFamily="18" charset="0"/>
               </a:rPr>
               <a:t>DimEmployees</a:t>
             </a:r>
-            <a:r>
-              <a:rPr lang="fr-FR" b="1" dirty="0">
+            <a:r xmlns:a="http://schemas.openxmlformats.org/drawingml/2006/main">
+              <a:rPr lang="en" sz="2000" b="1" dirty="0">
                 <a:latin typeface="Calibri" panose="020F0502020204030204" pitchFamily="34" charset="0"/>
                 <a:ea typeface="Calibri" panose="020F0502020204030204" pitchFamily="34" charset="0"/>
                 <a:cs typeface="Times New Roman" panose="02020603050405020304" pitchFamily="18" charset="0"/>
               </a:rPr>
               <a:t> </a:t>
             </a:r>
-            <a:r>
-              <a:rPr lang="fr-FR" b="1" dirty="0">
+            <a:r xmlns:a="http://schemas.openxmlformats.org/drawingml/2006/main">
+              <a:rPr lang="en" sz="2000" b="1" dirty="0">
                 <a:latin typeface="Segoe UI" panose="020B0502040204020203" pitchFamily="34" charset="0"/>
                 <a:ea typeface="Calibri" panose="020F0502020204030204" pitchFamily="34" charset="0"/>
                 <a:cs typeface="Times New Roman" panose="02020603050405020304" pitchFamily="18" charset="0"/>
               </a:rPr>
               <a:t>.csv </a:t>
             </a:r>
-            <a:r>
-              <a:rPr lang="fr-FR" dirty="0">
+            <a:r xmlns:a="http://schemas.openxmlformats.org/drawingml/2006/main">
+              <a:rPr lang="en" sz="2000" dirty="0">
                 <a:latin typeface="Segoe UI" panose="020B0502040204020203" pitchFamily="34" charset="0"/>
                 <a:ea typeface="Calibri" panose="020F0502020204030204" pitchFamily="34" charset="0"/>
                 <a:cs typeface="Times New Roman" panose="02020603050405020304" pitchFamily="18" charset="0"/>
               </a:rPr>
               <a:t>file location page</a:t>
             </a:r>
-            <a:endParaRPr lang="en-US" sz="1400" dirty="0">
+            <a:endParaRPr xmlns:a="http://schemas.openxmlformats.org/drawingml/2006/main" lang="en-US" sz="1600" dirty="0">
               <a:effectLst/>
               <a:latin typeface="Calibri" panose="020F0502020204030204" pitchFamily="34" charset="0"/>
               <a:ea typeface="Calibri" panose="020F0502020204030204" pitchFamily="34" charset="0"/>
@@ -3732,7 +3792,7 @@
         </p:blipFill>
         <p:spPr bwMode="auto">
           <a:xfrm>
-            <a:off x="387551" y="1788606"/>
+            <a:off x="602652" y="3127903"/>
             <a:ext cx="3971318" cy="2920898"/>
           </a:xfrm>
           <a:prstGeom prst="rect">
@@ -3755,6 +3815,123 @@
           </a:extLst>
         </p:spPr>
       </p:pic>
+      <p:sp>
+        <p:nvSpPr>
+          <p:cNvPr id="2" name="Rectangle 1"/>
+          <p:cNvSpPr>
+            <a:spLocks noChangeArrowheads="1"/>
+          </p:cNvSpPr>
+          <p:nvPr/>
+        </p:nvSpPr>
+        <p:spPr bwMode="auto">
+          <a:xfrm>
+            <a:off x="365242" y="2058108"/>
+            <a:ext cx="7536037" cy="400110"/>
+          </a:xfrm>
+          <a:prstGeom prst="rect">
+            <a:avLst/>
+          </a:prstGeom>
+          <a:noFill/>
+          <a:ln>
+            <a:noFill/>
+          </a:ln>
+          <a:effectLst/>
+          <a:extLst>
+            <a:ext uri="{909E8E84-426E-40DD-AFC4-6F175D3DCCD1}">
+              <a14:hiddenFill xmlns:a14="http://schemas.microsoft.com/office/drawing/2010/main">
+                <a:solidFill>
+                  <a:schemeClr val="accent1"/>
+                </a:solidFill>
+              </a14:hiddenFill>
+            </a:ext>
+            <a:ext uri="{91240B29-F687-4F45-9708-019B960494DF}">
+              <a14:hiddenLine xmlns:a14="http://schemas.microsoft.com/office/drawing/2010/main" w="9525">
+                <a:solidFill>
+                  <a:schemeClr val="tx1"/>
+                </a:solidFill>
+                <a:miter lim="800000"/>
+                <a:headEnd/>
+                <a:tailEnd/>
+              </a14:hiddenLine>
+            </a:ext>
+            <a:ext uri="{AF507438-7753-43E0-B8FC-AC1667EBCBE1}">
+              <a14:hiddenEffects xmlns:a14="http://schemas.microsoft.com/office/drawing/2010/main">
+                <a:effectLst>
+                  <a:outerShdw dist="35921" dir="2700000" algn="ctr" rotWithShape="0">
+                    <a:schemeClr val="bg2"/>
+                  </a:outerShdw>
+                </a:effectLst>
+              </a14:hiddenEffects>
+            </a:ext>
+          </a:extLst>
+        </p:spPr>
+        <p:txBody>
+          <a:bodyPr vert="horz" wrap="none" lIns="91440" tIns="45720" rIns="91440" bIns="45720" numCol="1" anchor="ctr" anchorCtr="0" compatLnSpc="1">
+            <a:prstTxWarp prst="textNoShape">
+              <a:avLst/>
+            </a:prstTxWarp>
+            <a:spAutoFit/>
+          </a:bodyPr>
+          <a:lstStyle/>
+          <a:p>
+            <a:pPr xmlns:a="http://schemas.openxmlformats.org/drawingml/2006/main" marL="0" marR="0" lvl="0" indent="0" algn="l" defTabSz="914400" rtl="0" eaLnBrk="0" fontAlgn="base" latinLnBrk="0" hangingPunct="0">
+              <a:lnSpc>
+                <a:spcPct val="100000"/>
+              </a:lnSpc>
+              <a:spcBef>
+                <a:spcPct val="0"/>
+              </a:spcBef>
+              <a:spcAft>
+                <a:spcPct val="0"/>
+              </a:spcAft>
+              <a:buClrTx/>
+              <a:buSzTx/>
+              <a:buFontTx/>
+              <a:buChar char="•"/>
+              <a:tabLst/>
+            </a:pPr>
+            <a:r xmlns:a="http://schemas.openxmlformats.org/drawingml/2006/main">
+              <a:rPr kumimoji="0" lang="en" altLang="en-US" sz="2000" i="0" u="none" strike="noStrike" cap="none" normalizeH="0" baseline="0" dirty="0" smtClean="0">
+                <a:ln>
+                  <a:noFill/>
+                </a:ln>
+                <a:solidFill>
+                  <a:schemeClr val="tx1"/>
+                </a:solidFill>
+                <a:effectLst/>
+                <a:latin typeface="Arial" panose="020B0604020202020204" pitchFamily="34" charset="0"/>
+              </a:rPr>
+              <a:t>Navigate to the location of the </a:t>
+            </a:r>
+            <a:r xmlns:a="http://schemas.openxmlformats.org/drawingml/2006/main">
+              <a:rPr kumimoji="0" lang="en" altLang="en-US" sz="2000" b="1" i="0" u="none" strike="noStrike" cap="none" normalizeH="0" baseline="0" dirty="0" smtClean="0">
+                <a:ln>
+                  <a:noFill/>
+                </a:ln>
+                <a:solidFill>
+                  <a:schemeClr val="tx1"/>
+                </a:solidFill>
+                <a:effectLst/>
+                <a:latin typeface="Arial" panose="020B0604020202020204" pitchFamily="34" charset="0"/>
+              </a:rPr>
+              <a:t>DimEmployees.csv file </a:t>
+            </a:r>
+            <a:r xmlns:a="http://schemas.openxmlformats.org/drawingml/2006/main">
+              <a:rPr kumimoji="0" lang="en" altLang="en-US" sz="2000" b="0" i="0" u="none" strike="noStrike" cap="none" normalizeH="0" baseline="0" dirty="0" smtClean="0">
+                <a:ln>
+                  <a:noFill/>
+                </a:ln>
+                <a:solidFill>
+                  <a:schemeClr val="tx1"/>
+                </a:solidFill>
+                <a:effectLst/>
+                <a:latin typeface="Arial" panose="020B0604020202020204" pitchFamily="34" charset="0"/>
+              </a:rPr>
+              <a:t>.</a:t>
+            </a:r>
+          </a:p>
+        </p:txBody>
+      </p:sp>
     </p:spTree>
     <p:extLst>
       <p:ext uri="{BB962C8B-B14F-4D97-AF65-F5344CB8AC3E}">
@@ -3794,7 +3971,7 @@
         <p:spPr>
           <a:xfrm>
             <a:off x="288081" y="322379"/>
-            <a:ext cx="2579552" cy="369332"/>
+            <a:ext cx="3884397" cy="369332"/>
           </a:xfrm>
           <a:prstGeom prst="rect">
             <a:avLst/>
@@ -3806,15 +3983,47 @@
           </a:bodyPr>
           <a:lstStyle/>
           <a:p>
-            <a:r>
-              <a:rPr lang="en-US" b="1" kern="0" dirty="0" smtClean="0">
+            <a:r xmlns:a="http://schemas.openxmlformats.org/drawingml/2006/main">
+              <a:rPr lang="en" b="1" kern="0" dirty="0" err="1" smtClean="0">
                 <a:latin typeface="Segoe UI" panose="020B0502040204020203" pitchFamily="34" charset="0"/>
                 <a:ea typeface="Times New Roman" panose="02020603050405020304" pitchFamily="18" charset="0"/>
                 <a:cs typeface="Times New Roman" panose="02020603050405020304" pitchFamily="18" charset="0"/>
               </a:rPr>
-              <a:t>Basic Transformations</a:t>
-            </a:r>
-            <a:endParaRPr lang="en-US" b="1" dirty="0"/>
+              <a:t>Basic </a:t>
+            </a:r>
+            <a:r xmlns:a="http://schemas.openxmlformats.org/drawingml/2006/main">
+              <a:rPr lang="en" b="1" kern="0" dirty="0" smtClean="0">
+                <a:latin typeface="Segoe UI" panose="020B0502040204020203" pitchFamily="34" charset="0"/>
+                <a:ea typeface="Times New Roman" panose="02020603050405020304" pitchFamily="18" charset="0"/>
+                <a:cs typeface="Times New Roman" panose="02020603050405020304" pitchFamily="18" charset="0"/>
+              </a:rPr>
+              <a:t>transformations</a:t>
+            </a:r>
+            <a:r xmlns:a="http://schemas.openxmlformats.org/drawingml/2006/main">
+              <a:rPr lang="en" b="1" kern="0" dirty="0" smtClean="0">
+                <a:latin typeface="Segoe UI" panose="020B0502040204020203" pitchFamily="34" charset="0"/>
+                <a:ea typeface="Times New Roman" panose="02020603050405020304" pitchFamily="18" charset="0"/>
+                <a:cs typeface="Times New Roman" panose="02020603050405020304" pitchFamily="18" charset="0"/>
+              </a:rPr>
+              <a:t> </a:t>
+            </a:r>
+            <a:r xmlns:a="http://schemas.openxmlformats.org/drawingml/2006/main">
+              <a:rPr lang="en" b="1" kern="0" dirty="0" err="1" smtClean="0">
+                <a:latin typeface="Segoe UI" panose="020B0502040204020203" pitchFamily="34" charset="0"/>
+                <a:ea typeface="Times New Roman" panose="02020603050405020304" pitchFamily="18" charset="0"/>
+                <a:cs typeface="Times New Roman" panose="02020603050405020304" pitchFamily="18" charset="0"/>
+              </a:rPr>
+              <a:t>Part </a:t>
+            </a:r>
+            <a:r xmlns:a="http://schemas.openxmlformats.org/drawingml/2006/main">
+              <a:rPr lang="en" b="1" kern="0" dirty="0" smtClean="0">
+                <a:latin typeface="Segoe UI" panose="020B0502040204020203" pitchFamily="34" charset="0"/>
+                <a:ea typeface="Times New Roman" panose="02020603050405020304" pitchFamily="18" charset="0"/>
+                <a:cs typeface="Times New Roman" panose="02020603050405020304" pitchFamily="18" charset="0"/>
+              </a:rPr>
+              <a:t>II</a:t>
+            </a:r>
+            <a:endParaRPr xmlns:a="http://schemas.openxmlformats.org/drawingml/2006/main" lang="en-US" b="1" dirty="0"/>
           </a:p>
         </p:txBody>
       </p:sp>
@@ -3827,7 +4036,7 @@
         <p:spPr>
           <a:xfrm>
             <a:off x="288080" y="848232"/>
-            <a:ext cx="11310361" cy="685059"/>
+            <a:ext cx="11310361" cy="646331"/>
           </a:xfrm>
           <a:prstGeom prst="rect">
             <a:avLst/>
@@ -3839,162 +4048,90 @@
           </a:bodyPr>
           <a:lstStyle/>
           <a:p>
-            <a:pPr lvl="0">
-              <a:lnSpc>
-                <a:spcPct val="107000"/>
-              </a:lnSpc>
+            <a:pPr xmlns:a="http://schemas.openxmlformats.org/drawingml/2006/main" lvl="0" eaLnBrk="0" fontAlgn="base" hangingPunct="0">
+              <a:spcBef>
+                <a:spcPct val="0"/>
+              </a:spcBef>
               <a:spcAft>
-                <a:spcPts val="800"/>
+                <a:spcPct val="0"/>
               </a:spcAft>
             </a:pPr>
-            <a:r>
-              <a:rPr lang="en-US" dirty="0" smtClean="0">
-                <a:latin typeface="Segoe UI" panose="020B0502040204020203" pitchFamily="34" charset="0"/>
-                <a:ea typeface="Calibri" panose="020F0502020204030204" pitchFamily="34" charset="0"/>
-                <a:cs typeface="Times New Roman" panose="02020603050405020304" pitchFamily="18" charset="0"/>
+            <a:r xmlns:a="http://schemas.openxmlformats.org/drawingml/2006/main">
+              <a:rPr lang="en" altLang="en-US" dirty="0">
+                <a:latin typeface="Arial" panose="020B0604020202020204" pitchFamily="34" charset="0"/>
               </a:rPr>
-              <a:t>Load the file into the editor and notice that the table structure is composed of four columns namely </a:t>
-            </a:r>
-            <a:r>
-              <a:rPr lang="en-US" b="1" dirty="0" smtClean="0">
-                <a:latin typeface="Segoe UI" panose="020B0502040204020203" pitchFamily="34" charset="0"/>
-                <a:ea typeface="Calibri" panose="020F0502020204030204" pitchFamily="34" charset="0"/>
-                <a:cs typeface="Times New Roman" panose="02020603050405020304" pitchFamily="18" charset="0"/>
+              <a:t>Load the file into the editor and notice that the table is made up of four columns:</a:t>
+            </a:r>
+          </a:p>
+          <a:p>
+            <a:pPr xmlns:a="http://schemas.openxmlformats.org/drawingml/2006/main" lvl="0" eaLnBrk="0" fontAlgn="base" hangingPunct="0">
+              <a:spcBef>
+                <a:spcPct val="0"/>
+              </a:spcBef>
+              <a:spcAft>
+                <a:spcPct val="0"/>
+              </a:spcAft>
+            </a:pPr>
+            <a:r xmlns:a="http://schemas.openxmlformats.org/drawingml/2006/main">
+              <a:rPr lang="en" altLang="en-US" dirty="0">
+                <a:latin typeface="Arial" panose="020B0604020202020204" pitchFamily="34" charset="0"/>
+              </a:rPr>
+              <a:t>  </a:t>
+            </a:r>
+            <a:r xmlns:a="http://schemas.openxmlformats.org/drawingml/2006/main">
+              <a:rPr lang="en" altLang="en-US" b="1" dirty="0">
+                <a:latin typeface="Arial" panose="020B0604020202020204" pitchFamily="34" charset="0"/>
               </a:rPr>
               <a:t>ID </a:t>
             </a:r>
-            <a:r>
-              <a:rPr lang="en-US" dirty="0" smtClean="0">
-                <a:latin typeface="Segoe UI" panose="020B0502040204020203" pitchFamily="34" charset="0"/>
-                <a:ea typeface="Calibri" panose="020F0502020204030204" pitchFamily="34" charset="0"/>
-                <a:cs typeface="Times New Roman" panose="02020603050405020304" pitchFamily="18" charset="0"/>
+            <a:r xmlns:a="http://schemas.openxmlformats.org/drawingml/2006/main">
+              <a:rPr lang="en" altLang="en-US" dirty="0">
+                <a:latin typeface="Arial" panose="020B0604020202020204" pitchFamily="34" charset="0"/>
               </a:rPr>
               <a:t>, </a:t>
             </a:r>
-            <a:r>
-              <a:rPr lang="en-US" b="1" dirty="0" smtClean="0">
-                <a:latin typeface="Segoe UI" panose="020B0502040204020203" pitchFamily="34" charset="0"/>
-                <a:ea typeface="Calibri" panose="020F0502020204030204" pitchFamily="34" charset="0"/>
-                <a:cs typeface="Times New Roman" panose="02020603050405020304" pitchFamily="18" charset="0"/>
+            <a:r xmlns:a="http://schemas.openxmlformats.org/drawingml/2006/main">
+              <a:rPr lang="en" altLang="en-US" b="1" dirty="0">
+                <a:latin typeface="Arial" panose="020B0604020202020204" pitchFamily="34" charset="0"/>
               </a:rPr>
               <a:t>First Name </a:t>
             </a:r>
-            <a:r>
-              <a:rPr lang="en-US" dirty="0" smtClean="0">
-                <a:latin typeface="Segoe UI" panose="020B0502040204020203" pitchFamily="34" charset="0"/>
-                <a:ea typeface="Calibri" panose="020F0502020204030204" pitchFamily="34" charset="0"/>
-                <a:cs typeface="Times New Roman" panose="02020603050405020304" pitchFamily="18" charset="0"/>
+            <a:r xmlns:a="http://schemas.openxmlformats.org/drawingml/2006/main">
+              <a:rPr lang="en" altLang="en-US" dirty="0">
+                <a:latin typeface="Arial" panose="020B0604020202020204" pitchFamily="34" charset="0"/>
               </a:rPr>
               <a:t>, </a:t>
             </a:r>
-            <a:r>
-              <a:rPr lang="en-US" b="1" dirty="0" smtClean="0">
-                <a:latin typeface="Segoe UI" panose="020B0502040204020203" pitchFamily="34" charset="0"/>
-                <a:ea typeface="Calibri" panose="020F0502020204030204" pitchFamily="34" charset="0"/>
-                <a:cs typeface="Times New Roman" panose="02020603050405020304" pitchFamily="18" charset="0"/>
+            <a:r xmlns:a="http://schemas.openxmlformats.org/drawingml/2006/main">
+              <a:rPr lang="en" altLang="en-US" b="1" dirty="0" err="1">
+                <a:latin typeface="Arial" panose="020B0604020202020204" pitchFamily="34" charset="0"/>
               </a:rPr>
-              <a:t>Family Name </a:t>
-            </a:r>
-            <a:r>
-              <a:rPr lang="en-US" dirty="0" smtClean="0">
-                <a:latin typeface="Segoe UI" panose="020B0502040204020203" pitchFamily="34" charset="0"/>
-                <a:ea typeface="Calibri" panose="020F0502020204030204" pitchFamily="34" charset="0"/>
-                <a:cs typeface="Times New Roman" panose="02020603050405020304" pitchFamily="18" charset="0"/>
+              <a:t>Family </a:t>
+            </a:r>
+            <a:r xmlns:a="http://schemas.openxmlformats.org/drawingml/2006/main">
+              <a:rPr lang="en" altLang="en-US" b="1" dirty="0">
+                <a:latin typeface="Arial" panose="020B0604020202020204" pitchFamily="34" charset="0"/>
               </a:rPr>
-              <a:t>and </a:t>
-            </a:r>
-            <a:r>
-              <a:rPr lang="en-US" b="1" dirty="0" smtClean="0">
-                <a:latin typeface="Segoe UI" panose="020B0502040204020203" pitchFamily="34" charset="0"/>
-                <a:ea typeface="Calibri" panose="020F0502020204030204" pitchFamily="34" charset="0"/>
-                <a:cs typeface="Times New Roman" panose="02020603050405020304" pitchFamily="18" charset="0"/>
+              <a:t>Name </a:t>
+            </a:r>
+            <a:r xmlns:a="http://schemas.openxmlformats.org/drawingml/2006/main">
+              <a:rPr lang="en" altLang="en-US" dirty="0">
+                <a:latin typeface="Arial" panose="020B0604020202020204" pitchFamily="34" charset="0"/>
               </a:rPr>
-              <a:t>Post</a:t>
-            </a:r>
-            <a:r>
-              <a:rPr lang="en-US" dirty="0" smtClean="0">
-                <a:latin typeface="Segoe UI" panose="020B0502040204020203" pitchFamily="34" charset="0"/>
-                <a:ea typeface="Calibri" panose="020F0502020204030204" pitchFamily="34" charset="0"/>
-                <a:cs typeface="Times New Roman" panose="02020603050405020304" pitchFamily="18" charset="0"/>
+              <a:t>, and </a:t>
+            </a:r>
+            <a:r xmlns:a="http://schemas.openxmlformats.org/drawingml/2006/main">
+              <a:rPr lang="en" altLang="en-US" b="1" dirty="0">
+                <a:latin typeface="Arial" panose="020B0604020202020204" pitchFamily="34" charset="0"/>
               </a:rPr>
-              <a:t> </a:t>
-            </a:r>
-            <a:endParaRPr lang="en-US" sz="1400" dirty="0">
-              <a:effectLst/>
-              <a:latin typeface="Calibri" panose="020F0502020204030204" pitchFamily="34" charset="0"/>
-              <a:ea typeface="Calibri" panose="020F0502020204030204" pitchFamily="34" charset="0"/>
-              <a:cs typeface="Times New Roman" panose="02020603050405020304" pitchFamily="18" charset="0"/>
-            </a:endParaRPr>
-          </a:p>
-        </p:txBody>
-      </p:sp>
-      <p:sp>
-        <p:nvSpPr>
-          <p:cNvPr id="4" name="Rectangle 3"/>
-          <p:cNvSpPr/>
-          <p:nvPr/>
-        </p:nvSpPr>
-        <p:spPr>
-          <a:xfrm>
-            <a:off x="288080" y="1689812"/>
-            <a:ext cx="5074723" cy="373692"/>
-          </a:xfrm>
-          <a:prstGeom prst="rect">
-            <a:avLst/>
-          </a:prstGeom>
-        </p:spPr>
-        <p:txBody>
-          <a:bodyPr wrap="none">
-            <a:spAutoFit/>
-          </a:bodyPr>
-          <a:lstStyle/>
-          <a:p>
-            <a:pPr lvl="0">
-              <a:lnSpc>
-                <a:spcPct val="107000"/>
-              </a:lnSpc>
-              <a:spcAft>
-                <a:spcPts val="800"/>
-              </a:spcAft>
-            </a:pPr>
-            <a:r>
-              <a:rPr lang="en-US" dirty="0" smtClean="0">
-                <a:latin typeface="Segoe UI" panose="020B0502040204020203" pitchFamily="34" charset="0"/>
-                <a:ea typeface="Calibri" panose="020F0502020204030204" pitchFamily="34" charset="0"/>
-                <a:cs typeface="Times New Roman" panose="02020603050405020304" pitchFamily="18" charset="0"/>
+              <a:t>Post </a:t>
+            </a:r>
+            <a:r xmlns:a="http://schemas.openxmlformats.org/drawingml/2006/main">
+              <a:rPr lang="en" altLang="en-US" dirty="0">
+                <a:latin typeface="Arial" panose="020B0604020202020204" pitchFamily="34" charset="0"/>
               </a:rPr>
-              <a:t>Select both columns </a:t>
-            </a:r>
-            <a:r>
-              <a:rPr lang="en-US" b="1" dirty="0" smtClean="0">
-                <a:latin typeface="Segoe UI" panose="020B0502040204020203" pitchFamily="34" charset="0"/>
-                <a:ea typeface="Calibri" panose="020F0502020204030204" pitchFamily="34" charset="0"/>
-                <a:cs typeface="Times New Roman" panose="02020603050405020304" pitchFamily="18" charset="0"/>
-              </a:rPr>
-              <a:t>First Name </a:t>
-            </a:r>
-            <a:r>
-              <a:rPr lang="en-US" dirty="0" smtClean="0">
-                <a:latin typeface="Segoe UI" panose="020B0502040204020203" pitchFamily="34" charset="0"/>
-                <a:ea typeface="Calibri" panose="020F0502020204030204" pitchFamily="34" charset="0"/>
-                <a:cs typeface="Times New Roman" panose="02020603050405020304" pitchFamily="18" charset="0"/>
-              </a:rPr>
-              <a:t>, </a:t>
-            </a:r>
-            <a:r>
-              <a:rPr lang="en-US" b="1" dirty="0" smtClean="0">
-                <a:latin typeface="Segoe UI" panose="020B0502040204020203" pitchFamily="34" charset="0"/>
-                <a:ea typeface="Calibri" panose="020F0502020204030204" pitchFamily="34" charset="0"/>
-                <a:cs typeface="Times New Roman" panose="02020603050405020304" pitchFamily="18" charset="0"/>
-              </a:rPr>
-              <a:t>Family Name</a:t>
-            </a:r>
-            <a:endParaRPr lang="en-US" sz="1400" dirty="0">
-              <a:effectLst/>
-              <a:latin typeface="Calibri" panose="020F0502020204030204" pitchFamily="34" charset="0"/>
-              <a:ea typeface="Calibri" panose="020F0502020204030204" pitchFamily="34" charset="0"/>
-              <a:cs typeface="Times New Roman" panose="02020603050405020304" pitchFamily="18" charset="0"/>
-            </a:endParaRPr>
+              <a:t>.</a:t>
+            </a:r>
           </a:p>
         </p:txBody>
       </p:sp>
@@ -4019,7 +4156,7 @@
         </p:blipFill>
         <p:spPr bwMode="auto">
           <a:xfrm>
-            <a:off x="384332" y="2302527"/>
+            <a:off x="3532381" y="2525891"/>
             <a:ext cx="4510801" cy="2001340"/>
           </a:xfrm>
           <a:prstGeom prst="rect">
@@ -4037,6 +4174,51 @@
           </a:effectLst>
         </p:spPr>
       </p:pic>
+      <p:sp>
+        <p:nvSpPr>
+          <p:cNvPr id="5" name="Rectangle 4"/>
+          <p:cNvSpPr/>
+          <p:nvPr/>
+        </p:nvSpPr>
+        <p:spPr>
+          <a:xfrm>
+            <a:off x="288080" y="1651084"/>
+            <a:ext cx="6274346" cy="400110"/>
+          </a:xfrm>
+          <a:prstGeom prst="rect">
+            <a:avLst/>
+          </a:prstGeom>
+        </p:spPr>
+        <p:txBody>
+          <a:bodyPr wrap="none">
+            <a:spAutoFit/>
+          </a:bodyPr>
+          <a:lstStyle/>
+          <a:p>
+            <a:r xmlns:a="http://schemas.openxmlformats.org/drawingml/2006/main">
+              <a:rPr lang="en" sz="2000" dirty="0"/>
+              <a:t>Select the </a:t>
+            </a:r>
+            <a:r xmlns:a="http://schemas.openxmlformats.org/drawingml/2006/main">
+              <a:rPr lang="en" sz="2000" b="1" dirty="0"/>
+              <a:t>"First Name" and " </a:t>
+            </a:r>
+            <a:r xmlns:a="http://schemas.openxmlformats.org/drawingml/2006/main">
+              <a:rPr lang="en" sz="2000" b="1" dirty="0" err="1"/>
+              <a:t>Family </a:t>
+            </a:r>
+            <a:r xmlns:a="http://schemas.openxmlformats.org/drawingml/2006/main">
+              <a:rPr lang="en" sz="2000" b="1" dirty="0"/>
+              <a:t>Name" columns </a:t>
+            </a:r>
+            <a:r xmlns:a="http://schemas.openxmlformats.org/drawingml/2006/main">
+              <a:rPr lang="en" sz="2000" dirty="0"/>
+              <a:t>.</a:t>
+            </a:r>
+            <a:endParaRPr xmlns:a="http://schemas.openxmlformats.org/drawingml/2006/main" lang="en-US" sz="2000" dirty="0"/>
+          </a:p>
+        </p:txBody>
+      </p:sp>
     </p:spTree>
     <p:extLst>
       <p:ext uri="{BB962C8B-B14F-4D97-AF65-F5344CB8AC3E}">
@@ -4076,7 +4258,7 @@
         <p:spPr>
           <a:xfrm>
             <a:off x="288081" y="322379"/>
-            <a:ext cx="2579552" cy="369332"/>
+            <a:ext cx="3884397" cy="369332"/>
           </a:xfrm>
           <a:prstGeom prst="rect">
             <a:avLst/>
@@ -4088,69 +4270,47 @@
           </a:bodyPr>
           <a:lstStyle/>
           <a:p>
-            <a:r>
-              <a:rPr lang="en-US" b="1" kern="0" dirty="0" smtClean="0">
+            <a:r xmlns:a="http://schemas.openxmlformats.org/drawingml/2006/main">
+              <a:rPr lang="en" b="1" kern="0" dirty="0" err="1" smtClean="0">
                 <a:latin typeface="Segoe UI" panose="020B0502040204020203" pitchFamily="34" charset="0"/>
                 <a:ea typeface="Times New Roman" panose="02020603050405020304" pitchFamily="18" charset="0"/>
                 <a:cs typeface="Times New Roman" panose="02020603050405020304" pitchFamily="18" charset="0"/>
               </a:rPr>
-              <a:t>Basic Transformations</a:t>
-            </a:r>
-            <a:endParaRPr lang="en-US" b="1" dirty="0"/>
-          </a:p>
-        </p:txBody>
-      </p:sp>
-      <p:sp>
-        <p:nvSpPr>
-          <p:cNvPr id="5" name="Rectangle 4"/>
-          <p:cNvSpPr/>
-          <p:nvPr/>
-        </p:nvSpPr>
-        <p:spPr>
-          <a:xfrm>
-            <a:off x="288081" y="790158"/>
-            <a:ext cx="9244837" cy="373692"/>
-          </a:xfrm>
-          <a:prstGeom prst="rect">
-            <a:avLst/>
-          </a:prstGeom>
-        </p:spPr>
-        <p:txBody>
-          <a:bodyPr wrap="square">
-            <a:spAutoFit/>
-          </a:bodyPr>
-          <a:lstStyle/>
-          <a:p>
-            <a:pPr lvl="0">
-              <a:lnSpc>
-                <a:spcPct val="107000"/>
-              </a:lnSpc>
-              <a:spcAft>
-                <a:spcPts val="800"/>
-              </a:spcAft>
-            </a:pPr>
-            <a:r>
-              <a:rPr lang="en-US" dirty="0" smtClean="0">
+              <a:t>Basic </a:t>
+            </a:r>
+            <a:r xmlns:a="http://schemas.openxmlformats.org/drawingml/2006/main">
+              <a:rPr lang="en" b="1" kern="0" dirty="0" smtClean="0">
                 <a:latin typeface="Segoe UI" panose="020B0502040204020203" pitchFamily="34" charset="0"/>
-                <a:ea typeface="Calibri" panose="020F0502020204030204" pitchFamily="34" charset="0"/>
+                <a:ea typeface="Times New Roman" panose="02020603050405020304" pitchFamily="18" charset="0"/>
                 <a:cs typeface="Times New Roman" panose="02020603050405020304" pitchFamily="18" charset="0"/>
               </a:rPr>
-              <a:t>Right click mouse and notice the presence of the functionality </a:t>
-            </a:r>
-            <a:r>
-              <a:rPr lang="en-US" b="1" dirty="0" smtClean="0">
+              <a:t>transformations</a:t>
+            </a:r>
+            <a:r xmlns:a="http://schemas.openxmlformats.org/drawingml/2006/main">
+              <a:rPr lang="en" b="1" kern="0" dirty="0" smtClean="0">
                 <a:latin typeface="Segoe UI" panose="020B0502040204020203" pitchFamily="34" charset="0"/>
-                <a:ea typeface="Calibri" panose="020F0502020204030204" pitchFamily="34" charset="0"/>
+                <a:ea typeface="Times New Roman" panose="02020603050405020304" pitchFamily="18" charset="0"/>
                 <a:cs typeface="Times New Roman" panose="02020603050405020304" pitchFamily="18" charset="0"/>
               </a:rPr>
-              <a:t>Merge Columns</a:t>
-            </a:r>
-            <a:endParaRPr lang="en-US" sz="1400" dirty="0">
-              <a:effectLst/>
-              <a:latin typeface="Calibri" panose="020F0502020204030204" pitchFamily="34" charset="0"/>
-              <a:ea typeface="Calibri" panose="020F0502020204030204" pitchFamily="34" charset="0"/>
-              <a:cs typeface="Times New Roman" panose="02020603050405020304" pitchFamily="18" charset="0"/>
-            </a:endParaRPr>
+              <a:t> </a:t>
+            </a:r>
+            <a:r xmlns:a="http://schemas.openxmlformats.org/drawingml/2006/main">
+              <a:rPr lang="en" b="1" kern="0" dirty="0" err="1" smtClean="0">
+                <a:latin typeface="Segoe UI" panose="020B0502040204020203" pitchFamily="34" charset="0"/>
+                <a:ea typeface="Times New Roman" panose="02020603050405020304" pitchFamily="18" charset="0"/>
+                <a:cs typeface="Times New Roman" panose="02020603050405020304" pitchFamily="18" charset="0"/>
+              </a:rPr>
+              <a:t>Part </a:t>
+            </a:r>
+            <a:r xmlns:a="http://schemas.openxmlformats.org/drawingml/2006/main">
+              <a:rPr lang="en" b="1" kern="0" dirty="0" smtClean="0">
+                <a:latin typeface="Segoe UI" panose="020B0502040204020203" pitchFamily="34" charset="0"/>
+                <a:ea typeface="Times New Roman" panose="02020603050405020304" pitchFamily="18" charset="0"/>
+                <a:cs typeface="Times New Roman" panose="02020603050405020304" pitchFamily="18" charset="0"/>
+              </a:rPr>
+              <a:t>II</a:t>
+            </a:r>
+            <a:endParaRPr xmlns:a="http://schemas.openxmlformats.org/drawingml/2006/main" lang="en-US" b="1" dirty="0"/>
           </a:p>
         </p:txBody>
       </p:sp>
@@ -4241,45 +4401,6 @@
           </a:p>
         </p:txBody>
       </p:sp>
-      <p:sp>
-        <p:nvSpPr>
-          <p:cNvPr id="8" name="Rectangle 7"/>
-          <p:cNvSpPr/>
-          <p:nvPr/>
-        </p:nvSpPr>
-        <p:spPr>
-          <a:xfrm>
-            <a:off x="423273" y="4515248"/>
-            <a:ext cx="7636042" cy="369332"/>
-          </a:xfrm>
-          <a:prstGeom prst="rect">
-            <a:avLst/>
-          </a:prstGeom>
-        </p:spPr>
-        <p:txBody>
-          <a:bodyPr wrap="square">
-            <a:spAutoFit/>
-          </a:bodyPr>
-          <a:lstStyle/>
-          <a:p>
-            <a:r>
-              <a:rPr lang="en-US" dirty="0" smtClean="0">
-                <a:latin typeface="Segoe UI" panose="020B0502040204020203" pitchFamily="34" charset="0"/>
-                <a:ea typeface="Calibri" panose="020F0502020204030204" pitchFamily="34" charset="0"/>
-              </a:rPr>
-              <a:t>Notice the presence of the same functionality in the </a:t>
-            </a:r>
-            <a:r>
-              <a:rPr lang="en-US" b="1" dirty="0" smtClean="0">
-                <a:latin typeface="Segoe UI" panose="020B0502040204020203" pitchFamily="34" charset="0"/>
-                <a:ea typeface="Calibri" panose="020F0502020204030204" pitchFamily="34" charset="0"/>
-              </a:rPr>
-              <a:t>Transform tab</a:t>
-            </a:r>
-            <a:endParaRPr lang="en-US" dirty="0"/>
-          </a:p>
-        </p:txBody>
-      </p:sp>
       <p:pic>
         <p:nvPicPr>
           <p:cNvPr id="10" name="Picture 9"/>
@@ -4296,7 +4417,7 @@
         </p:blipFill>
         <p:spPr>
           <a:xfrm>
-            <a:off x="536265" y="4884580"/>
+            <a:off x="423273" y="4897459"/>
             <a:ext cx="8336509" cy="1759242"/>
           </a:xfrm>
           <a:prstGeom prst="rect">
@@ -4312,7 +4433,7 @@
         </p:nvSpPr>
         <p:spPr>
           <a:xfrm>
-            <a:off x="1520563" y="5053263"/>
+            <a:off x="1278782" y="5058152"/>
             <a:ext cx="789500" cy="255827"/>
           </a:xfrm>
           <a:prstGeom prst="rect">
@@ -4360,7 +4481,7 @@
         </p:nvSpPr>
         <p:spPr>
           <a:xfrm>
-            <a:off x="6568097" y="5262232"/>
+            <a:off x="6455105" y="5275111"/>
             <a:ext cx="1008360" cy="279170"/>
           </a:xfrm>
           <a:prstGeom prst="rect">
@@ -4400,6 +4521,112 @@
           </a:p>
         </p:txBody>
       </p:sp>
+      <p:sp>
+        <p:nvSpPr>
+          <p:cNvPr id="2" name="Rectangle 1"/>
+          <p:cNvSpPr/>
+          <p:nvPr/>
+        </p:nvSpPr>
+        <p:spPr>
+          <a:xfrm>
+            <a:off x="349213" y="770466"/>
+            <a:ext cx="11544426" cy="400110"/>
+          </a:xfrm>
+          <a:prstGeom prst="rect">
+            <a:avLst/>
+          </a:prstGeom>
+        </p:spPr>
+        <p:txBody>
+          <a:bodyPr wrap="square">
+            <a:spAutoFit/>
+          </a:bodyPr>
+          <a:lstStyle/>
+          <a:p>
+            <a:r xmlns:a="http://schemas.openxmlformats.org/drawingml/2006/main">
+              <a:rPr lang="en" sz="2000" b="1" dirty="0"/>
+              <a:t>Right-click and observe the presence of the </a:t>
+            </a:r>
+            <a:r xmlns:a="http://schemas.openxmlformats.org/drawingml/2006/main">
+              <a:rPr lang="en" sz="2000" b="1" dirty="0"/>
+              <a:t>Merge Columns </a:t>
+            </a:r>
+            <a:r xmlns:a="http://schemas.openxmlformats.org/drawingml/2006/main">
+              <a:rPr lang="en" sz="2000" dirty="0"/>
+              <a:t>feature </a:t>
+            </a:r>
+            <a:r xmlns:a="http://schemas.openxmlformats.org/drawingml/2006/main">
+              <a:rPr lang="en" sz="2000" dirty="0"/>
+              <a:t>( </a:t>
+            </a:r>
+            <a:r xmlns:a="http://schemas.openxmlformats.org/drawingml/2006/main">
+              <a:rPr lang="en" sz="2000" i="1" dirty="0" err="1"/>
+              <a:t>Merge</a:t>
+            </a:r>
+            <a:r xmlns:a="http://schemas.openxmlformats.org/drawingml/2006/main">
+              <a:rPr lang="en" sz="2000" i="1" dirty="0"/>
+              <a:t> </a:t>
+            </a:r>
+            <a:r xmlns:a="http://schemas.openxmlformats.org/drawingml/2006/main">
+              <a:rPr lang="en" sz="2000" i="1" dirty="0" err="1"/>
+              <a:t>Columns </a:t>
+            </a:r>
+            <a:r xmlns:a="http://schemas.openxmlformats.org/drawingml/2006/main">
+              <a:rPr lang="en" sz="2000" dirty="0"/>
+              <a:t>).</a:t>
+            </a:r>
+            <a:endParaRPr xmlns:a="http://schemas.openxmlformats.org/drawingml/2006/main" lang="en-US" sz="2000" dirty="0"/>
+          </a:p>
+        </p:txBody>
+      </p:sp>
+      <p:sp>
+        <p:nvSpPr>
+          <p:cNvPr id="4" name="Rectangle 3"/>
+          <p:cNvSpPr/>
+          <p:nvPr/>
+        </p:nvSpPr>
+        <p:spPr>
+          <a:xfrm>
+            <a:off x="349213" y="4424424"/>
+            <a:ext cx="9444635" cy="400110"/>
+          </a:xfrm>
+          <a:prstGeom prst="rect">
+            <a:avLst/>
+          </a:prstGeom>
+        </p:spPr>
+        <p:txBody>
+          <a:bodyPr wrap="square">
+            <a:spAutoFit/>
+          </a:bodyPr>
+          <a:lstStyle/>
+          <a:p>
+            <a:r xmlns:a="http://schemas.openxmlformats.org/drawingml/2006/main">
+              <a:rPr lang="en" sz="2000" dirty="0"/>
+              <a:t>same </a:t>
+            </a:r>
+            <a:endParaRPr xmlns:a="http://schemas.openxmlformats.org/drawingml/2006/main" lang="en-US" sz="2000" dirty="0"/>
+            <a:r xmlns:a="http://schemas.openxmlformats.org/drawingml/2006/main">
+              <a:rPr lang="en" sz="2000" b="1" dirty="0"/>
+              <a:t>functionality </a:t>
+            </a:r>
+            <a:r xmlns:a="http://schemas.openxmlformats.org/drawingml/2006/main">
+              <a:rPr lang="en" sz="2000" dirty="0"/>
+              <a:t>in the </a:t>
+            </a:r>
+            <a:r xmlns:a="http://schemas.openxmlformats.org/drawingml/2006/main">
+              <a:rPr lang="en" sz="2000" b="1" dirty="0"/>
+              <a:t>Transform </a:t>
+            </a:r>
+            <a:r xmlns:a="http://schemas.openxmlformats.org/drawingml/2006/main">
+              <a:rPr lang="en" sz="2000" dirty="0"/>
+              <a:t>tab </a:t>
+            </a:r>
+            <a:r xmlns:a="http://schemas.openxmlformats.org/drawingml/2006/main">
+              <a:rPr lang="en" sz="2000" i="1" dirty="0" err="1"/>
+              <a:t>.</a:t>
+            </a:r>
+          </a:p>
+        </p:txBody>
+      </p:sp>
     </p:spTree>
     <p:extLst>
       <p:ext uri="{BB962C8B-B14F-4D97-AF65-F5344CB8AC3E}">
@@ -4439,7 +4666,7 @@
         <p:spPr>
           <a:xfrm>
             <a:off x="288081" y="322379"/>
-            <a:ext cx="2579552" cy="369332"/>
+            <a:ext cx="3884397" cy="369332"/>
           </a:xfrm>
           <a:prstGeom prst="rect">
             <a:avLst/>
@@ -4451,93 +4678,47 @@
           </a:bodyPr>
           <a:lstStyle/>
           <a:p>
-            <a:r>
-              <a:rPr lang="en-US" b="1" kern="0" dirty="0" smtClean="0">
+            <a:r xmlns:a="http://schemas.openxmlformats.org/drawingml/2006/main">
+              <a:rPr lang="en" b="1" kern="0" dirty="0" err="1" smtClean="0">
                 <a:latin typeface="Segoe UI" panose="020B0502040204020203" pitchFamily="34" charset="0"/>
                 <a:ea typeface="Times New Roman" panose="02020603050405020304" pitchFamily="18" charset="0"/>
                 <a:cs typeface="Times New Roman" panose="02020603050405020304" pitchFamily="18" charset="0"/>
               </a:rPr>
-              <a:t>Basic Transformations</a:t>
-            </a:r>
-            <a:endParaRPr lang="en-US" b="1" dirty="0"/>
-          </a:p>
-        </p:txBody>
-      </p:sp>
-      <p:sp>
-        <p:nvSpPr>
-          <p:cNvPr id="2" name="Rectangle 1"/>
-          <p:cNvSpPr/>
-          <p:nvPr/>
-        </p:nvSpPr>
-        <p:spPr>
-          <a:xfrm>
-            <a:off x="288081" y="776408"/>
-            <a:ext cx="11770999" cy="373692"/>
-          </a:xfrm>
-          <a:prstGeom prst="rect">
-            <a:avLst/>
-          </a:prstGeom>
-        </p:spPr>
-        <p:txBody>
-          <a:bodyPr wrap="square">
-            <a:spAutoFit/>
-          </a:bodyPr>
-          <a:lstStyle/>
-          <a:p>
-            <a:pPr lvl="0">
-              <a:lnSpc>
-                <a:spcPct val="107000"/>
-              </a:lnSpc>
-              <a:spcAft>
-                <a:spcPts val="800"/>
-              </a:spcAft>
-            </a:pPr>
-            <a:r>
-              <a:rPr lang="en-US" dirty="0" smtClean="0">
+              <a:t>Basic </a:t>
+            </a:r>
+            <a:r xmlns:a="http://schemas.openxmlformats.org/drawingml/2006/main">
+              <a:rPr lang="en" b="1" kern="0" dirty="0" smtClean="0">
                 <a:latin typeface="Segoe UI" panose="020B0502040204020203" pitchFamily="34" charset="0"/>
-                <a:ea typeface="Calibri" panose="020F0502020204030204" pitchFamily="34" charset="0"/>
+                <a:ea typeface="Times New Roman" panose="02020603050405020304" pitchFamily="18" charset="0"/>
                 <a:cs typeface="Times New Roman" panose="02020603050405020304" pitchFamily="18" charset="0"/>
               </a:rPr>
-              <a:t>Change the separator parameter to </a:t>
-            </a:r>
-            <a:r>
-              <a:rPr lang="en-US" b="1" dirty="0" smtClean="0">
+              <a:t>transformations</a:t>
+            </a:r>
+            <a:r xmlns:a="http://schemas.openxmlformats.org/drawingml/2006/main">
+              <a:rPr lang="en" b="1" kern="0" dirty="0" smtClean="0">
                 <a:latin typeface="Segoe UI" panose="020B0502040204020203" pitchFamily="34" charset="0"/>
-                <a:ea typeface="Calibri" panose="020F0502020204030204" pitchFamily="34" charset="0"/>
+                <a:ea typeface="Times New Roman" panose="02020603050405020304" pitchFamily="18" charset="0"/>
                 <a:cs typeface="Times New Roman" panose="02020603050405020304" pitchFamily="18" charset="0"/>
               </a:rPr>
-              <a:t>Space </a:t>
-            </a:r>
-            <a:r>
-              <a:rPr lang="en-US" dirty="0" smtClean="0">
+              <a:t> </a:t>
+            </a:r>
+            <a:r xmlns:a="http://schemas.openxmlformats.org/drawingml/2006/main">
+              <a:rPr lang="en" b="1" kern="0" dirty="0" err="1" smtClean="0">
                 <a:latin typeface="Segoe UI" panose="020B0502040204020203" pitchFamily="34" charset="0"/>
-                <a:ea typeface="Calibri" panose="020F0502020204030204" pitchFamily="34" charset="0"/>
+                <a:ea typeface="Times New Roman" panose="02020603050405020304" pitchFamily="18" charset="0"/>
                 <a:cs typeface="Times New Roman" panose="02020603050405020304" pitchFamily="18" charset="0"/>
               </a:rPr>
-              <a:t>and the column name to </a:t>
-            </a:r>
-            <a:r>
-              <a:rPr lang="en-US" b="1" dirty="0" smtClean="0">
+              <a:t>Part </a:t>
+            </a:r>
+            <a:r xmlns:a="http://schemas.openxmlformats.org/drawingml/2006/main">
+              <a:rPr lang="en" b="1" kern="0" dirty="0" smtClean="0">
                 <a:latin typeface="Segoe UI" panose="020B0502040204020203" pitchFamily="34" charset="0"/>
-                <a:ea typeface="Calibri" panose="020F0502020204030204" pitchFamily="34" charset="0"/>
+                <a:ea typeface="Times New Roman" panose="02020603050405020304" pitchFamily="18" charset="0"/>
                 <a:cs typeface="Times New Roman" panose="02020603050405020304" pitchFamily="18" charset="0"/>
               </a:rPr>
-              <a:t>Full Name </a:t>
-            </a:r>
-            <a:r>
-              <a:rPr lang="en-US" dirty="0" smtClean="0">
-                <a:latin typeface="Segoe UI" panose="020B0502040204020203" pitchFamily="34" charset="0"/>
-                <a:ea typeface="Calibri" panose="020F0502020204030204" pitchFamily="34" charset="0"/>
-                <a:cs typeface="Times New Roman" panose="02020603050405020304" pitchFamily="18" charset="0"/>
-              </a:rPr>
-              <a:t>click OK</a:t>
-            </a:r>
-            <a:endParaRPr lang="en-US" sz="1400" dirty="0">
-              <a:effectLst/>
-              <a:latin typeface="Calibri" panose="020F0502020204030204" pitchFamily="34" charset="0"/>
-              <a:ea typeface="Calibri" panose="020F0502020204030204" pitchFamily="34" charset="0"/>
-              <a:cs typeface="Times New Roman" panose="02020603050405020304" pitchFamily="18" charset="0"/>
-            </a:endParaRPr>
+              <a:t>II</a:t>
+            </a:r>
+            <a:endParaRPr xmlns:a="http://schemas.openxmlformats.org/drawingml/2006/main" lang="en-US" b="1" dirty="0"/>
           </a:p>
         </p:txBody>
       </p:sp>
@@ -4583,76 +4764,6 @@
           </a:extLst>
         </p:spPr>
       </p:pic>
-      <p:sp>
-        <p:nvSpPr>
-          <p:cNvPr id="4" name="Rectangle 3"/>
-          <p:cNvSpPr/>
-          <p:nvPr/>
-        </p:nvSpPr>
-        <p:spPr>
-          <a:xfrm>
-            <a:off x="288081" y="3880132"/>
-            <a:ext cx="10107203" cy="373692"/>
-          </a:xfrm>
-          <a:prstGeom prst="rect">
-            <a:avLst/>
-          </a:prstGeom>
-        </p:spPr>
-        <p:txBody>
-          <a:bodyPr wrap="square">
-            <a:spAutoFit/>
-          </a:bodyPr>
-          <a:lstStyle/>
-          <a:p>
-            <a:pPr lvl="0">
-              <a:lnSpc>
-                <a:spcPct val="107000"/>
-              </a:lnSpc>
-              <a:spcAft>
-                <a:spcPts val="800"/>
-              </a:spcAft>
-            </a:pPr>
-            <a:r>
-              <a:rPr lang="en-US" dirty="0" smtClean="0">
-                <a:latin typeface="Segoe UI" panose="020B0502040204020203" pitchFamily="34" charset="0"/>
-                <a:ea typeface="Calibri" panose="020F0502020204030204" pitchFamily="34" charset="0"/>
-                <a:cs typeface="Times New Roman" panose="02020603050405020304" pitchFamily="18" charset="0"/>
-              </a:rPr>
-              <a:t>Try to go back using the opposite </a:t>
-            </a:r>
-            <a:r>
-              <a:rPr lang="en-US" b="1" dirty="0" smtClean="0">
-                <a:latin typeface="Segoe UI" panose="020B0502040204020203" pitchFamily="34" charset="0"/>
-                <a:ea typeface="Calibri" panose="020F0502020204030204" pitchFamily="34" charset="0"/>
-                <a:cs typeface="Times New Roman" panose="02020603050405020304" pitchFamily="18" charset="0"/>
-              </a:rPr>
-              <a:t>Split Column functionality </a:t>
-            </a:r>
-            <a:r>
-              <a:rPr lang="en-US" dirty="0" smtClean="0">
-                <a:latin typeface="Segoe UI" panose="020B0502040204020203" pitchFamily="34" charset="0"/>
-                <a:ea typeface="Calibri" panose="020F0502020204030204" pitchFamily="34" charset="0"/>
-                <a:cs typeface="Times New Roman" panose="02020603050405020304" pitchFamily="18" charset="0"/>
-              </a:rPr>
-              <a:t>still in the </a:t>
-            </a:r>
-            <a:r>
-              <a:rPr lang="en-US" b="1" dirty="0" smtClean="0">
-                <a:latin typeface="Segoe UI" panose="020B0502040204020203" pitchFamily="34" charset="0"/>
-                <a:ea typeface="Calibri" panose="020F0502020204030204" pitchFamily="34" charset="0"/>
-                <a:cs typeface="Times New Roman" panose="02020603050405020304" pitchFamily="18" charset="0"/>
-              </a:rPr>
-              <a:t>Transform tab</a:t>
-            </a:r>
-            <a:endParaRPr lang="en-US" sz="1400" dirty="0">
-              <a:effectLst/>
-              <a:latin typeface="Calibri" panose="020F0502020204030204" pitchFamily="34" charset="0"/>
-              <a:ea typeface="Calibri" panose="020F0502020204030204" pitchFamily="34" charset="0"/>
-              <a:cs typeface="Times New Roman" panose="02020603050405020304" pitchFamily="18" charset="0"/>
-            </a:endParaRPr>
-          </a:p>
-        </p:txBody>
-      </p:sp>
       <p:pic>
         <p:nvPicPr>
           <p:cNvPr id="14" name="Picture 13"/>
@@ -4672,7 +4783,7 @@
         </p:blipFill>
         <p:spPr bwMode="auto">
           <a:xfrm>
-            <a:off x="541673" y="4392168"/>
+            <a:off x="541673" y="4643306"/>
             <a:ext cx="1801495" cy="1071245"/>
           </a:xfrm>
           <a:prstGeom prst="rect">
@@ -4695,6 +4806,128 @@
           </a:extLst>
         </p:spPr>
       </p:pic>
+      <p:sp>
+        <p:nvSpPr>
+          <p:cNvPr id="5" name="Rectangle 4"/>
+          <p:cNvSpPr/>
+          <p:nvPr/>
+        </p:nvSpPr>
+        <p:spPr>
+          <a:xfrm>
+            <a:off x="288081" y="763213"/>
+            <a:ext cx="11002851" cy="369332"/>
+          </a:xfrm>
+          <a:prstGeom prst="rect">
+            <a:avLst/>
+          </a:prstGeom>
+        </p:spPr>
+        <p:txBody>
+          <a:bodyPr wrap="square">
+            <a:spAutoFit/>
+          </a:bodyPr>
+          <a:lstStyle/>
+          <a:p>
+            <a:r xmlns:a="http://schemas.openxmlformats.org/drawingml/2006/main">
+              <a:rPr lang="en" dirty="0"/>
+              <a:t>Change the separator setting to </a:t>
+            </a:r>
+            <a:r xmlns:a="http://schemas.openxmlformats.org/drawingml/2006/main">
+              <a:rPr lang="en" b="1" dirty="0"/>
+              <a:t>"Space" </a:t>
+            </a:r>
+            <a:r xmlns:a="http://schemas.openxmlformats.org/drawingml/2006/main">
+              <a:rPr lang="en" dirty="0"/>
+              <a:t>, rename the column to </a:t>
+            </a:r>
+            <a:r xmlns:a="http://schemas.openxmlformats.org/drawingml/2006/main">
+              <a:rPr lang="en" b="1" dirty="0"/>
+              <a:t>"Full Name" </a:t>
+            </a:r>
+            <a:r xmlns:a="http://schemas.openxmlformats.org/drawingml/2006/main">
+              <a:rPr lang="en" dirty="0"/>
+              <a:t>, and then click </a:t>
+            </a:r>
+            <a:r xmlns:a="http://schemas.openxmlformats.org/drawingml/2006/main">
+              <a:rPr lang="en" b="1" dirty="0"/>
+              <a:t>OK </a:t>
+            </a:r>
+            <a:r xmlns:a="http://schemas.openxmlformats.org/drawingml/2006/main">
+              <a:rPr lang="en" dirty="0"/>
+              <a:t>.</a:t>
+            </a:r>
+            <a:endParaRPr xmlns:a="http://schemas.openxmlformats.org/drawingml/2006/main" lang="en-US" dirty="0"/>
+          </a:p>
+        </p:txBody>
+      </p:sp>
+      <p:sp>
+        <p:nvSpPr>
+          <p:cNvPr id="6" name="Rectangle 5"/>
+          <p:cNvSpPr/>
+          <p:nvPr/>
+        </p:nvSpPr>
+        <p:spPr>
+          <a:xfrm>
+            <a:off x="423719" y="3792911"/>
+            <a:ext cx="11064236" cy="707886"/>
+          </a:xfrm>
+          <a:prstGeom prst="rect">
+            <a:avLst/>
+          </a:prstGeom>
+        </p:spPr>
+        <p:txBody>
+          <a:bodyPr wrap="square">
+            <a:spAutoFit/>
+          </a:bodyPr>
+          <a:lstStyle/>
+          <a:p>
+            <a:r xmlns:a="http://schemas.openxmlformats.org/drawingml/2006/main">
+              <a:rPr lang="en" sz="2000" b="1" dirty="0"/>
+              <a:t>Try going back </a:t>
+            </a:r>
+            <a:r xmlns:a="http://schemas.openxmlformats.org/drawingml/2006/main">
+              <a:rPr lang="en" sz="2000" dirty="0"/>
+              <a:t>using the </a:t>
+            </a:r>
+            <a:r xmlns:a="http://schemas.openxmlformats.org/drawingml/2006/main">
+              <a:rPr lang="en" sz="2000" b="1" dirty="0"/>
+              <a:t>Split Column feature</a:t>
+            </a:r>
+            <a:r xmlns:a="http://schemas.openxmlformats.org/drawingml/2006/main">
+              <a:rPr lang="en" sz="2000" dirty="0"/>
+              <a:t> </a:t>
+            </a:r>
+            <a:r xmlns:a="http://schemas.openxmlformats.org/drawingml/2006/main">
+              <a:rPr lang="en" sz="2000" b="1" dirty="0"/>
+              <a:t>( </a:t>
+            </a:r>
+            <a:r xmlns:a="http://schemas.openxmlformats.org/drawingml/2006/main">
+              <a:rPr lang="en" sz="2000" b="1" i="1" dirty="0"/>
+              <a:t>Split </a:t>
+            </a:r>
+            <a:r xmlns:a="http://schemas.openxmlformats.org/drawingml/2006/main">
+              <a:rPr lang="en" sz="2000" b="1" i="1" dirty="0" err="1"/>
+              <a:t>Column </a:t>
+            </a:r>
+            <a:r xmlns:a="http://schemas.openxmlformats.org/drawingml/2006/main">
+              <a:rPr lang="en" sz="2000" b="1" dirty="0"/>
+              <a:t>) still in the </a:t>
+            </a:r>
+            <a:r xmlns:a="http://schemas.openxmlformats.org/drawingml/2006/main">
+              <a:rPr lang="en" sz="2000" b="1" dirty="0"/>
+              <a:t>Transform </a:t>
+            </a:r>
+            <a:r xmlns:a="http://schemas.openxmlformats.org/drawingml/2006/main">
+              <a:rPr lang="en" sz="2000" dirty="0"/>
+              <a:t>tab </a:t>
+            </a:r>
+            <a:r xmlns:a="http://schemas.openxmlformats.org/drawingml/2006/main">
+              <a:rPr lang="en" sz="2000" dirty="0"/>
+              <a:t>.</a:t>
+            </a:r>
+            <a:endParaRPr xmlns:a="http://schemas.openxmlformats.org/drawingml/2006/main" lang="en-US" sz="2000" dirty="0"/>
+          </a:p>
+        </p:txBody>
+      </p:sp>
     </p:spTree>
     <p:extLst>
       <p:ext uri="{BB962C8B-B14F-4D97-AF65-F5344CB8AC3E}">
@@ -4774,14 +5007,14 @@
       </p:sp>
       <p:sp>
         <p:nvSpPr>
-          <p:cNvPr id="5" name="TextBox 4"/>
+          <p:cNvPr id="7" name="TextBox 6"/>
           <p:cNvSpPr txBox="1"/>
           <p:nvPr/>
         </p:nvSpPr>
         <p:spPr>
           <a:xfrm>
-            <a:off x="2916199" y="2162433"/>
-            <a:ext cx="6230360" cy="1569660"/>
+            <a:off x="4084981" y="2485566"/>
+            <a:ext cx="3456395" cy="1569660"/>
           </a:xfrm>
           <a:prstGeom prst="rect">
             <a:avLst/>
@@ -4794,8 +5027,8 @@
           </a:bodyPr>
           <a:lstStyle/>
           <a:p>
-            <a:r>
-              <a:rPr lang="en-US" sz="9600" b="1" dirty="0" smtClean="0">
+            <a:r xmlns:a="http://schemas.openxmlformats.org/drawingml/2006/main">
+              <a:rPr lang="en" sz="9600" b="1" dirty="0" smtClean="0">
                 <a:solidFill>
                   <a:srgbClr val="7030A0"/>
                 </a:solidFill>
@@ -4803,9 +5036,9 @@
                 <a:ea typeface="Verdana" panose="020B0604030504040204" pitchFamily="34" charset="0"/>
                 <a:cs typeface="Segoe UI" panose="020B0502040204020203" pitchFamily="34" charset="0"/>
               </a:rPr>
-              <a:t>Thank you</a:t>
-            </a:r>
-            <a:endParaRPr lang="en-US" sz="9600" b="1" dirty="0">
+              <a:t>THANKS</a:t>
+            </a:r>
+            <a:endParaRPr xmlns:a="http://schemas.openxmlformats.org/drawingml/2006/main" lang="en-US" sz="9600" b="1" dirty="0">
               <a:solidFill>
                 <a:srgbClr val="7030A0"/>
               </a:solidFill>
@@ -4818,14 +5051,14 @@
       </p:sp>
       <p:sp>
         <p:nvSpPr>
-          <p:cNvPr id="6" name="TextBox 5"/>
+          <p:cNvPr id="8" name="TextBox 7"/>
           <p:cNvSpPr txBox="1"/>
           <p:nvPr/>
         </p:nvSpPr>
         <p:spPr>
           <a:xfrm>
-            <a:off x="2990336" y="2217861"/>
-            <a:ext cx="6230360" cy="1569660"/>
+            <a:off x="4014739" y="2410365"/>
+            <a:ext cx="3456395" cy="1569660"/>
           </a:xfrm>
           <a:prstGeom prst="rect">
             <a:avLst/>
@@ -4838,8 +5071,8 @@
           </a:bodyPr>
           <a:lstStyle/>
           <a:p>
-            <a:r>
-              <a:rPr lang="en-US" sz="9600" b="1" dirty="0" smtClean="0">
+            <a:r xmlns:a="http://schemas.openxmlformats.org/drawingml/2006/main">
+              <a:rPr lang="en" sz="9600" b="1" dirty="0" smtClean="0">
                 <a:solidFill>
                   <a:schemeClr val="bg1"/>
                 </a:solidFill>
@@ -4847,9 +5080,9 @@
                 <a:ea typeface="Verdana" panose="020B0604030504040204" pitchFamily="34" charset="0"/>
                 <a:cs typeface="Segoe UI" panose="020B0502040204020203" pitchFamily="34" charset="0"/>
               </a:rPr>
-              <a:t>Thank you</a:t>
-            </a:r>
-            <a:endParaRPr lang="en-US" sz="9600" b="1" dirty="0">
+              <a:t>THANKS</a:t>
+            </a:r>
+            <a:endParaRPr xmlns:a="http://schemas.openxmlformats.org/drawingml/2006/main" lang="en-US" sz="9600" b="1" dirty="0">
               <a:solidFill>
                 <a:schemeClr val="bg1"/>
               </a:solidFill>

--- a/English/2.Preparing data/2.Basic Transfrormations continuation .pptx
+++ b/English/2.Preparing data/2.Basic Transfrormations continuation .pptx
@@ -202,7 +202,7 @@
           <a:p>
             <a:fld id="{056BA3B8-9F76-4D81-B71D-76CB85363062}" type="datetimeFigureOut">
               <a:rPr lang="en-US" smtClean="0"/>
-              <a:t>2/25/2025</a:t>
+              <a:t>4/3/2025</a:t>
             </a:fld>
             <a:endParaRPr lang="en-US"/>
           </a:p>
@@ -601,7 +601,7 @@
           <a:p>
             <a:fld id="{6F01DA4D-20EA-48D2-973C-0311EC3005D6}" type="datetimeFigureOut">
               <a:rPr lang="en-US" smtClean="0"/>
-              <a:t>2/25/2025</a:t>
+              <a:t>4/3/2025</a:t>
             </a:fld>
             <a:endParaRPr lang="en-US"/>
           </a:p>
@@ -771,7 +771,7 @@
           <a:p>
             <a:fld id="{6F01DA4D-20EA-48D2-973C-0311EC3005D6}" type="datetimeFigureOut">
               <a:rPr lang="en-US" smtClean="0"/>
-              <a:t>2/25/2025</a:t>
+              <a:t>4/3/2025</a:t>
             </a:fld>
             <a:endParaRPr lang="en-US"/>
           </a:p>
@@ -951,7 +951,7 @@
           <a:p>
             <a:fld id="{6F01DA4D-20EA-48D2-973C-0311EC3005D6}" type="datetimeFigureOut">
               <a:rPr lang="en-US" smtClean="0"/>
-              <a:t>2/25/2025</a:t>
+              <a:t>4/3/2025</a:t>
             </a:fld>
             <a:endParaRPr lang="en-US"/>
           </a:p>
@@ -1121,7 +1121,7 @@
           <a:p>
             <a:fld id="{6F01DA4D-20EA-48D2-973C-0311EC3005D6}" type="datetimeFigureOut">
               <a:rPr lang="en-US" smtClean="0"/>
-              <a:t>2/25/2025</a:t>
+              <a:t>4/3/2025</a:t>
             </a:fld>
             <a:endParaRPr lang="en-US"/>
           </a:p>
@@ -1367,7 +1367,7 @@
           <a:p>
             <a:fld id="{6F01DA4D-20EA-48D2-973C-0311EC3005D6}" type="datetimeFigureOut">
               <a:rPr lang="en-US" smtClean="0"/>
-              <a:t>2/25/2025</a:t>
+              <a:t>4/3/2025</a:t>
             </a:fld>
             <a:endParaRPr lang="en-US"/>
           </a:p>
@@ -1599,7 +1599,7 @@
           <a:p>
             <a:fld id="{6F01DA4D-20EA-48D2-973C-0311EC3005D6}" type="datetimeFigureOut">
               <a:rPr lang="en-US" smtClean="0"/>
-              <a:t>2/25/2025</a:t>
+              <a:t>4/3/2025</a:t>
             </a:fld>
             <a:endParaRPr lang="en-US"/>
           </a:p>
@@ -1966,7 +1966,7 @@
           <a:p>
             <a:fld id="{6F01DA4D-20EA-48D2-973C-0311EC3005D6}" type="datetimeFigureOut">
               <a:rPr lang="en-US" smtClean="0"/>
-              <a:t>2/25/2025</a:t>
+              <a:t>4/3/2025</a:t>
             </a:fld>
             <a:endParaRPr lang="en-US"/>
           </a:p>
@@ -2084,7 +2084,7 @@
           <a:p>
             <a:fld id="{6F01DA4D-20EA-48D2-973C-0311EC3005D6}" type="datetimeFigureOut">
               <a:rPr lang="en-US" smtClean="0"/>
-              <a:t>2/25/2025</a:t>
+              <a:t>4/3/2025</a:t>
             </a:fld>
             <a:endParaRPr lang="en-US"/>
           </a:p>
@@ -2179,7 +2179,7 @@
           <a:p>
             <a:fld id="{6F01DA4D-20EA-48D2-973C-0311EC3005D6}" type="datetimeFigureOut">
               <a:rPr lang="en-US" smtClean="0"/>
-              <a:t>2/25/2025</a:t>
+              <a:t>4/3/2025</a:t>
             </a:fld>
             <a:endParaRPr lang="en-US"/>
           </a:p>
@@ -2456,7 +2456,7 @@
           <a:p>
             <a:fld id="{6F01DA4D-20EA-48D2-973C-0311EC3005D6}" type="datetimeFigureOut">
               <a:rPr lang="en-US" smtClean="0"/>
-              <a:t>2/25/2025</a:t>
+              <a:t>4/3/2025</a:t>
             </a:fld>
             <a:endParaRPr lang="en-US"/>
           </a:p>
@@ -2709,7 +2709,7 @@
           <a:p>
             <a:fld id="{6F01DA4D-20EA-48D2-973C-0311EC3005D6}" type="datetimeFigureOut">
               <a:rPr lang="en-US" smtClean="0"/>
-              <a:t>2/25/2025</a:t>
+              <a:t>4/3/2025</a:t>
             </a:fld>
             <a:endParaRPr lang="en-US"/>
           </a:p>
@@ -2922,7 +2922,7 @@
           <a:p>
             <a:fld id="{6F01DA4D-20EA-48D2-973C-0311EC3005D6}" type="datetimeFigureOut">
               <a:rPr lang="en-US" smtClean="0"/>
-              <a:t>2/25/2025</a:t>
+              <a:t>4/3/2025</a:t>
             </a:fld>
             <a:endParaRPr lang="en-US"/>
           </a:p>
@@ -3343,7 +3343,7 @@
         </p:nvSpPr>
         <p:spPr>
           <a:xfrm>
-            <a:off x="637114" y="1480286"/>
+            <a:off x="740145" y="1493165"/>
             <a:ext cx="10656892" cy="3785652"/>
           </a:xfrm>
           <a:prstGeom prst="rect">
@@ -3357,9 +3357,9 @@
           </a:bodyPr>
           <a:lstStyle/>
           <a:p>
-            <a:pPr xmlns:a="http://schemas.openxmlformats.org/drawingml/2006/main" algn="ctr"/>
-            <a:r xmlns:a="http://schemas.openxmlformats.org/drawingml/2006/main">
-              <a:rPr lang="en" sz="8000" b="1" dirty="0">
+            <a:pPr algn="ctr"/>
+            <a:r>
+              <a:rPr lang="en" sz="8000" b="1" dirty="0" smtClean="0">
                 <a:solidFill>
                   <a:srgbClr val="7030A0"/>
                 </a:solidFill>
@@ -3367,9 +3367,20 @@
                 <a:ea typeface="Verdana" panose="020B0604030504040204" pitchFamily="34" charset="0"/>
                 <a:cs typeface="Segoe UI" panose="020B0502040204020203" pitchFamily="34" charset="0"/>
               </a:rPr>
-              <a:t>The </a:t>
-            </a:r>
-            <a:r xmlns:a="http://schemas.openxmlformats.org/drawingml/2006/main">
+              <a:t>Basic</a:t>
+            </a:r>
+            <a:endParaRPr lang="en" sz="8000" b="1" dirty="0" smtClean="0">
+              <a:solidFill>
+                <a:srgbClr val="7030A0"/>
+              </a:solidFill>
+              <a:latin typeface="Segoe UI" panose="020B0502040204020203" pitchFamily="34" charset="0"/>
+              <a:ea typeface="Verdana" panose="020B0604030504040204" pitchFamily="34" charset="0"/>
+              <a:cs typeface="Segoe UI" panose="020B0502040204020203" pitchFamily="34" charset="0"/>
+            </a:endParaRPr>
+          </a:p>
+          <a:p>
+            <a:pPr algn="ctr"/>
+            <a:r>
               <a:rPr lang="en" sz="8000" b="1" dirty="0" smtClean="0">
                 <a:solidFill>
                   <a:srgbClr val="7030A0"/>
@@ -3380,10 +3391,18 @@
               </a:rPr>
               <a:t>transformations</a:t>
             </a:r>
-          </a:p>
-          <a:p>
-            <a:pPr xmlns:a="http://schemas.openxmlformats.org/drawingml/2006/main" algn="ctr"/>
-            <a:r xmlns:a="http://schemas.openxmlformats.org/drawingml/2006/main">
+            <a:endParaRPr lang="en" sz="8000" b="1" dirty="0" smtClean="0">
+              <a:solidFill>
+                <a:srgbClr val="7030A0"/>
+              </a:solidFill>
+              <a:latin typeface="Segoe UI" panose="020B0502040204020203" pitchFamily="34" charset="0"/>
+              <a:ea typeface="Verdana" panose="020B0604030504040204" pitchFamily="34" charset="0"/>
+              <a:cs typeface="Segoe UI" panose="020B0502040204020203" pitchFamily="34" charset="0"/>
+            </a:endParaRPr>
+          </a:p>
+          <a:p>
+            <a:pPr algn="ctr"/>
+            <a:r>
               <a:rPr lang="en" sz="8000" b="1" dirty="0" smtClean="0">
                 <a:solidFill>
                   <a:srgbClr val="7030A0"/>
@@ -3392,12 +3411,9 @@
                 <a:ea typeface="Verdana" panose="020B0604030504040204" pitchFamily="34" charset="0"/>
                 <a:cs typeface="Segoe UI" panose="020B0502040204020203" pitchFamily="34" charset="0"/>
               </a:rPr>
-              <a:t>Basics</a:t>
-            </a:r>
-          </a:p>
-          <a:p>
-            <a:pPr xmlns:a="http://schemas.openxmlformats.org/drawingml/2006/main" algn="ctr"/>
-            <a:r xmlns:a="http://schemas.openxmlformats.org/drawingml/2006/main">
+              <a:t>Part </a:t>
+            </a:r>
+            <a:r>
               <a:rPr lang="en" sz="8000" b="1" dirty="0" smtClean="0">
                 <a:solidFill>
                   <a:srgbClr val="7030A0"/>
@@ -3406,9 +3422,9 @@
                 <a:ea typeface="Verdana" panose="020B0604030504040204" pitchFamily="34" charset="0"/>
                 <a:cs typeface="Segoe UI" panose="020B0502040204020203" pitchFamily="34" charset="0"/>
               </a:rPr>
-              <a:t>Part II</a:t>
-            </a:r>
-            <a:endParaRPr xmlns:a="http://schemas.openxmlformats.org/drawingml/2006/main" lang="en-US" sz="8000" b="1" dirty="0" smtClean="0">
+              <a:t>II</a:t>
+            </a:r>
+            <a:endParaRPr lang="en-US" sz="8000" b="1" dirty="0" smtClean="0">
               <a:solidFill>
                 <a:srgbClr val="7030A0"/>
               </a:solidFill>
@@ -3427,7 +3443,7 @@
         </p:nvSpPr>
         <p:spPr>
           <a:xfrm>
-            <a:off x="562633" y="1426430"/>
+            <a:off x="684982" y="1439308"/>
             <a:ext cx="10656892" cy="3785652"/>
           </a:xfrm>
           <a:prstGeom prst="rect">
@@ -3441,8 +3457,8 @@
           </a:bodyPr>
           <a:lstStyle/>
           <a:p>
-            <a:pPr xmlns:a="http://schemas.openxmlformats.org/drawingml/2006/main" algn="ctr"/>
-            <a:r xmlns:a="http://schemas.openxmlformats.org/drawingml/2006/main">
+            <a:pPr algn="ctr"/>
+            <a:r>
               <a:rPr lang="en" sz="8000" b="1" dirty="0">
                 <a:solidFill>
                   <a:schemeClr val="bg1"/>
@@ -3451,9 +3467,12 @@
                 <a:ea typeface="Verdana" panose="020B0604030504040204" pitchFamily="34" charset="0"/>
                 <a:cs typeface="Segoe UI" panose="020B0502040204020203" pitchFamily="34" charset="0"/>
               </a:rPr>
-              <a:t>The </a:t>
-            </a:r>
-            <a:r xmlns:a="http://schemas.openxmlformats.org/drawingml/2006/main">
+              <a:t>Basic</a:t>
+            </a:r>
+          </a:p>
+          <a:p>
+            <a:pPr algn="ctr"/>
+            <a:r>
               <a:rPr lang="en" sz="8000" b="1" dirty="0" smtClean="0">
                 <a:solidFill>
                   <a:schemeClr val="bg1"/>
@@ -3464,10 +3483,18 @@
               </a:rPr>
               <a:t>transformations</a:t>
             </a:r>
-          </a:p>
-          <a:p>
-            <a:pPr xmlns:a="http://schemas.openxmlformats.org/drawingml/2006/main" algn="ctr"/>
-            <a:r xmlns:a="http://schemas.openxmlformats.org/drawingml/2006/main">
+            <a:endParaRPr lang="en" sz="8000" b="1" dirty="0" smtClean="0">
+              <a:solidFill>
+                <a:schemeClr val="bg1"/>
+              </a:solidFill>
+              <a:latin typeface="Segoe UI" panose="020B0502040204020203" pitchFamily="34" charset="0"/>
+              <a:ea typeface="Verdana" panose="020B0604030504040204" pitchFamily="34" charset="0"/>
+              <a:cs typeface="Segoe UI" panose="020B0502040204020203" pitchFamily="34" charset="0"/>
+            </a:endParaRPr>
+          </a:p>
+          <a:p>
+            <a:pPr algn="ctr"/>
+            <a:r>
               <a:rPr lang="en" sz="8000" b="1" dirty="0" smtClean="0">
                 <a:solidFill>
                   <a:schemeClr val="bg1"/>
@@ -3476,12 +3503,9 @@
                 <a:ea typeface="Verdana" panose="020B0604030504040204" pitchFamily="34" charset="0"/>
                 <a:cs typeface="Segoe UI" panose="020B0502040204020203" pitchFamily="34" charset="0"/>
               </a:rPr>
-              <a:t>Basics</a:t>
-            </a:r>
-          </a:p>
-          <a:p>
-            <a:pPr xmlns:a="http://schemas.openxmlformats.org/drawingml/2006/main" algn="ctr"/>
-            <a:r xmlns:a="http://schemas.openxmlformats.org/drawingml/2006/main">
+              <a:t>Part </a:t>
+            </a:r>
+            <a:r>
               <a:rPr lang="en" sz="8000" b="1" dirty="0" smtClean="0">
                 <a:solidFill>
                   <a:schemeClr val="bg1"/>
@@ -3490,9 +3514,9 @@
                 <a:ea typeface="Verdana" panose="020B0604030504040204" pitchFamily="34" charset="0"/>
                 <a:cs typeface="Segoe UI" panose="020B0502040204020203" pitchFamily="34" charset="0"/>
               </a:rPr>
-              <a:t>Part II</a:t>
-            </a:r>
-            <a:endParaRPr xmlns:a="http://schemas.openxmlformats.org/drawingml/2006/main" lang="en-US" sz="8000" b="1" dirty="0" smtClean="0">
+              <a:t>II</a:t>
+            </a:r>
+            <a:endParaRPr lang="en-US" sz="8000" b="1" dirty="0" smtClean="0">
               <a:solidFill>
                 <a:schemeClr val="bg1"/>
               </a:solidFill>
@@ -3554,7 +3578,7 @@
           </a:bodyPr>
           <a:lstStyle/>
           <a:p>
-            <a:r xmlns:a="http://schemas.openxmlformats.org/drawingml/2006/main">
+            <a:r>
               <a:rPr lang="en" b="1" kern="0" dirty="0" err="1" smtClean="0">
                 <a:latin typeface="Segoe UI" panose="020B0502040204020203" pitchFamily="34" charset="0"/>
                 <a:ea typeface="Times New Roman" panose="02020603050405020304" pitchFamily="18" charset="0"/>
@@ -3562,23 +3586,15 @@
               </a:rPr>
               <a:t>Basic </a:t>
             </a:r>
-            <a:r xmlns:a="http://schemas.openxmlformats.org/drawingml/2006/main">
+            <a:r>
               <a:rPr lang="en" b="1" kern="0" dirty="0" smtClean="0">
                 <a:latin typeface="Segoe UI" panose="020B0502040204020203" pitchFamily="34" charset="0"/>
                 <a:ea typeface="Times New Roman" panose="02020603050405020304" pitchFamily="18" charset="0"/>
                 <a:cs typeface="Times New Roman" panose="02020603050405020304" pitchFamily="18" charset="0"/>
               </a:rPr>
-              <a:t>transformations</a:t>
-            </a:r>
-            <a:r xmlns:a="http://schemas.openxmlformats.org/drawingml/2006/main">
-              <a:rPr lang="en" b="1" kern="0" dirty="0" smtClean="0">
-                <a:latin typeface="Segoe UI" panose="020B0502040204020203" pitchFamily="34" charset="0"/>
-                <a:ea typeface="Times New Roman" panose="02020603050405020304" pitchFamily="18" charset="0"/>
-                <a:cs typeface="Times New Roman" panose="02020603050405020304" pitchFamily="18" charset="0"/>
-              </a:rPr>
-              <a:t> </a:t>
-            </a:r>
-            <a:r xmlns:a="http://schemas.openxmlformats.org/drawingml/2006/main">
+              <a:t>transformations </a:t>
+            </a:r>
+            <a:r>
               <a:rPr lang="en" b="1" kern="0" dirty="0" err="1" smtClean="0">
                 <a:latin typeface="Segoe UI" panose="020B0502040204020203" pitchFamily="34" charset="0"/>
                 <a:ea typeface="Times New Roman" panose="02020603050405020304" pitchFamily="18" charset="0"/>
@@ -3586,7 +3602,7 @@
               </a:rPr>
               <a:t>Part </a:t>
             </a:r>
-            <a:r xmlns:a="http://schemas.openxmlformats.org/drawingml/2006/main">
+            <a:r>
               <a:rPr lang="en" b="1" kern="0" dirty="0" smtClean="0">
                 <a:latin typeface="Segoe UI" panose="020B0502040204020203" pitchFamily="34" charset="0"/>
                 <a:ea typeface="Times New Roman" panose="02020603050405020304" pitchFamily="18" charset="0"/>
@@ -3594,7 +3610,7 @@
               </a:rPr>
               <a:t>II</a:t>
             </a:r>
-            <a:endParaRPr xmlns:a="http://schemas.openxmlformats.org/drawingml/2006/main" lang="en-US" b="1" dirty="0"/>
+            <a:endParaRPr lang="en-US" b="1" dirty="0"/>
           </a:p>
         </p:txBody>
       </p:sp>
@@ -3619,7 +3635,7 @@
           </a:bodyPr>
           <a:lstStyle/>
           <a:p>
-            <a:pPr xmlns:a="http://schemas.openxmlformats.org/drawingml/2006/main">
+            <a:pPr>
               <a:lnSpc>
                 <a:spcPct val="107000"/>
               </a:lnSpc>
@@ -3630,7 +3646,7 @@
                 <a:spcPts val="0"/>
               </a:spcAft>
             </a:pPr>
-            <a:r xmlns:a="http://schemas.openxmlformats.org/drawingml/2006/main">
+            <a:r>
               <a:rPr lang="en" b="1" kern="0" dirty="0" smtClean="0">
                 <a:latin typeface="Segoe UI" panose="020B0502040204020203" pitchFamily="34" charset="0"/>
                 <a:ea typeface="Times New Roman" panose="02020603050405020304" pitchFamily="18" charset="0"/>
@@ -3638,7 +3654,7 @@
               </a:rPr>
               <a:t>Note: </a:t>
             </a:r>
-            <a:r xmlns:a="http://schemas.openxmlformats.org/drawingml/2006/main">
+            <a:r>
               <a:rPr lang="en" kern="0" dirty="0" smtClean="0">
                 <a:latin typeface="Segoe UI" panose="020B0502040204020203" pitchFamily="34" charset="0"/>
                 <a:ea typeface="Times New Roman" panose="02020603050405020304" pitchFamily="18" charset="0"/>
@@ -3646,7 +3662,7 @@
               </a:rPr>
               <a:t>This Lab uses </a:t>
             </a:r>
-            <a:r xmlns:a="http://schemas.openxmlformats.org/drawingml/2006/main">
+            <a:r>
               <a:rPr lang="en" b="1" kern="0" dirty="0" smtClean="0">
                 <a:latin typeface="Segoe UI" panose="020B0502040204020203" pitchFamily="34" charset="0"/>
                 <a:ea typeface="Times New Roman" panose="02020603050405020304" pitchFamily="18" charset="0"/>
@@ -3654,7 +3670,7 @@
               </a:rPr>
               <a:t>the DimEmployees.csv </a:t>
             </a:r>
-            <a:r xmlns:a="http://schemas.openxmlformats.org/drawingml/2006/main">
+            <a:r>
               <a:rPr lang="en" kern="0" dirty="0" smtClean="0">
                 <a:latin typeface="Segoe UI" panose="020B0502040204020203" pitchFamily="34" charset="0"/>
                 <a:ea typeface="Times New Roman" panose="02020603050405020304" pitchFamily="18" charset="0"/>
@@ -3662,7 +3678,7 @@
               </a:rPr>
               <a:t>file located in the </a:t>
             </a:r>
-            <a:r xmlns:a="http://schemas.openxmlformats.org/drawingml/2006/main">
+            <a:r>
               <a:rPr lang="en" b="1" kern="0" dirty="0" smtClean="0">
                 <a:latin typeface="Segoe UI" panose="020B0502040204020203" pitchFamily="34" charset="0"/>
                 <a:ea typeface="Times New Roman" panose="02020603050405020304" pitchFamily="18" charset="0"/>
@@ -3670,7 +3686,7 @@
               </a:rPr>
               <a:t>resources/ </a:t>
             </a:r>
-            <a:r xmlns:a="http://schemas.openxmlformats.org/drawingml/2006/main">
+            <a:r>
               <a:rPr lang="en" b="1" kern="0" dirty="0" err="1" smtClean="0">
                 <a:latin typeface="Segoe UI" panose="020B0502040204020203" pitchFamily="34" charset="0"/>
                 <a:ea typeface="Times New Roman" panose="02020603050405020304" pitchFamily="18" charset="0"/>
@@ -3678,7 +3694,7 @@
               </a:rPr>
               <a:t>CSVSources </a:t>
             </a:r>
-            <a:r xmlns:a="http://schemas.openxmlformats.org/drawingml/2006/main">
+            <a:r>
               <a:rPr lang="en" b="1" kern="0" dirty="0" smtClean="0">
                 <a:latin typeface="Segoe UI" panose="020B0502040204020203" pitchFamily="34" charset="0"/>
                 <a:ea typeface="Times New Roman" panose="02020603050405020304" pitchFamily="18" charset="0"/>
@@ -3686,7 +3702,7 @@
               </a:rPr>
               <a:t>folder</a:t>
             </a:r>
-            <a:r xmlns:a="http://schemas.openxmlformats.org/drawingml/2006/main">
+            <a:r>
               <a:rPr lang="en" kern="0" dirty="0" smtClean="0">
                 <a:latin typeface="Segoe UI" panose="020B0502040204020203" pitchFamily="34" charset="0"/>
                 <a:ea typeface="Times New Roman" panose="02020603050405020304" pitchFamily="18" charset="0"/>
@@ -3694,7 +3710,7 @@
               </a:rPr>
               <a:t> </a:t>
             </a:r>
-            <a:endParaRPr xmlns:a="http://schemas.openxmlformats.org/drawingml/2006/main" lang="en-US" sz="2800" b="1" kern="0" dirty="0">
+            <a:endParaRPr lang="en-US" sz="2800" b="1" kern="0" dirty="0">
               <a:effectLst/>
               <a:latin typeface="Segoe UI" panose="020B0502040204020203" pitchFamily="34" charset="0"/>
               <a:ea typeface="Times New Roman" panose="02020603050405020304" pitchFamily="18" charset="0"/>
@@ -3724,7 +3740,7 @@
           </a:bodyPr>
           <a:lstStyle/>
           <a:p>
-            <a:pPr xmlns:a="http://schemas.openxmlformats.org/drawingml/2006/main" lvl="0">
+            <a:pPr lvl="0">
               <a:lnSpc>
                 <a:spcPct val="107000"/>
               </a:lnSpc>
@@ -3732,7 +3748,7 @@
                 <a:spcPts val="800"/>
               </a:spcAft>
             </a:pPr>
-            <a:r xmlns:a="http://schemas.openxmlformats.org/drawingml/2006/main">
+            <a:r>
               <a:rPr lang="en" sz="2000" b="1" dirty="0" err="1">
                 <a:latin typeface="Calibri" panose="020F0502020204030204" pitchFamily="34" charset="0"/>
                 <a:ea typeface="Calibri" panose="020F0502020204030204" pitchFamily="34" charset="0"/>
@@ -3740,7 +3756,7 @@
               </a:rPr>
               <a:t>DimEmployees</a:t>
             </a:r>
-            <a:r xmlns:a="http://schemas.openxmlformats.org/drawingml/2006/main">
+            <a:r>
               <a:rPr lang="en" sz="2000" b="1" dirty="0">
                 <a:latin typeface="Calibri" panose="020F0502020204030204" pitchFamily="34" charset="0"/>
                 <a:ea typeface="Calibri" panose="020F0502020204030204" pitchFamily="34" charset="0"/>
@@ -3748,7 +3764,7 @@
               </a:rPr>
               <a:t> </a:t>
             </a:r>
-            <a:r xmlns:a="http://schemas.openxmlformats.org/drawingml/2006/main">
+            <a:r>
               <a:rPr lang="en" sz="2000" b="1" dirty="0">
                 <a:latin typeface="Segoe UI" panose="020B0502040204020203" pitchFamily="34" charset="0"/>
                 <a:ea typeface="Calibri" panose="020F0502020204030204" pitchFamily="34" charset="0"/>
@@ -3756,7 +3772,7 @@
               </a:rPr>
               <a:t>.csv </a:t>
             </a:r>
-            <a:r xmlns:a="http://schemas.openxmlformats.org/drawingml/2006/main">
+            <a:r>
               <a:rPr lang="en" sz="2000" dirty="0">
                 <a:latin typeface="Segoe UI" panose="020B0502040204020203" pitchFamily="34" charset="0"/>
                 <a:ea typeface="Calibri" panose="020F0502020204030204" pitchFamily="34" charset="0"/>
@@ -3764,7 +3780,7 @@
               </a:rPr>
               <a:t>file location page</a:t>
             </a:r>
-            <a:endParaRPr xmlns:a="http://schemas.openxmlformats.org/drawingml/2006/main" lang="en-US" sz="1600" dirty="0">
+            <a:endParaRPr lang="en-US" sz="1600" dirty="0">
               <a:effectLst/>
               <a:latin typeface="Calibri" panose="020F0502020204030204" pitchFamily="34" charset="0"/>
               <a:ea typeface="Calibri" panose="020F0502020204030204" pitchFamily="34" charset="0"/>
@@ -3874,7 +3890,7 @@
           </a:bodyPr>
           <a:lstStyle/>
           <a:p>
-            <a:pPr xmlns:a="http://schemas.openxmlformats.org/drawingml/2006/main" marL="0" marR="0" lvl="0" indent="0" algn="l" defTabSz="914400" rtl="0" eaLnBrk="0" fontAlgn="base" latinLnBrk="0" hangingPunct="0">
+            <a:pPr marL="0" marR="0" lvl="0" indent="0" algn="l" defTabSz="914400" rtl="0" eaLnBrk="0" fontAlgn="base" latinLnBrk="0" hangingPunct="0">
               <a:lnSpc>
                 <a:spcPct val="100000"/>
               </a:lnSpc>
@@ -3890,7 +3906,7 @@
               <a:buChar char="•"/>
               <a:tabLst/>
             </a:pPr>
-            <a:r xmlns:a="http://schemas.openxmlformats.org/drawingml/2006/main">
+            <a:r>
               <a:rPr kumimoji="0" lang="en" altLang="en-US" sz="2000" i="0" u="none" strike="noStrike" cap="none" normalizeH="0" baseline="0" dirty="0" smtClean="0">
                 <a:ln>
                   <a:noFill/>
@@ -3903,7 +3919,7 @@
               </a:rPr>
               <a:t>Navigate to the location of the </a:t>
             </a:r>
-            <a:r xmlns:a="http://schemas.openxmlformats.org/drawingml/2006/main">
+            <a:r>
               <a:rPr kumimoji="0" lang="en" altLang="en-US" sz="2000" b="1" i="0" u="none" strike="noStrike" cap="none" normalizeH="0" baseline="0" dirty="0" smtClean="0">
                 <a:ln>
                   <a:noFill/>
@@ -3916,7 +3932,7 @@
               </a:rPr>
               <a:t>DimEmployees.csv file </a:t>
             </a:r>
-            <a:r xmlns:a="http://schemas.openxmlformats.org/drawingml/2006/main">
+            <a:r>
               <a:rPr kumimoji="0" lang="en" altLang="en-US" sz="2000" b="0" i="0" u="none" strike="noStrike" cap="none" normalizeH="0" baseline="0" dirty="0" smtClean="0">
                 <a:ln>
                   <a:noFill/>
@@ -3983,7 +3999,7 @@
           </a:bodyPr>
           <a:lstStyle/>
           <a:p>
-            <a:r xmlns:a="http://schemas.openxmlformats.org/drawingml/2006/main">
+            <a:r>
               <a:rPr lang="en" b="1" kern="0" dirty="0" err="1" smtClean="0">
                 <a:latin typeface="Segoe UI" panose="020B0502040204020203" pitchFamily="34" charset="0"/>
                 <a:ea typeface="Times New Roman" panose="02020603050405020304" pitchFamily="18" charset="0"/>
@@ -3991,23 +4007,15 @@
               </a:rPr>
               <a:t>Basic </a:t>
             </a:r>
-            <a:r xmlns:a="http://schemas.openxmlformats.org/drawingml/2006/main">
+            <a:r>
               <a:rPr lang="en" b="1" kern="0" dirty="0" smtClean="0">
                 <a:latin typeface="Segoe UI" panose="020B0502040204020203" pitchFamily="34" charset="0"/>
                 <a:ea typeface="Times New Roman" panose="02020603050405020304" pitchFamily="18" charset="0"/>
                 <a:cs typeface="Times New Roman" panose="02020603050405020304" pitchFamily="18" charset="0"/>
               </a:rPr>
-              <a:t>transformations</a:t>
-            </a:r>
-            <a:r xmlns:a="http://schemas.openxmlformats.org/drawingml/2006/main">
-              <a:rPr lang="en" b="1" kern="0" dirty="0" smtClean="0">
-                <a:latin typeface="Segoe UI" panose="020B0502040204020203" pitchFamily="34" charset="0"/>
-                <a:ea typeface="Times New Roman" panose="02020603050405020304" pitchFamily="18" charset="0"/>
-                <a:cs typeface="Times New Roman" panose="02020603050405020304" pitchFamily="18" charset="0"/>
-              </a:rPr>
-              <a:t> </a:t>
-            </a:r>
-            <a:r xmlns:a="http://schemas.openxmlformats.org/drawingml/2006/main">
+              <a:t>transformations </a:t>
+            </a:r>
+            <a:r>
               <a:rPr lang="en" b="1" kern="0" dirty="0" err="1" smtClean="0">
                 <a:latin typeface="Segoe UI" panose="020B0502040204020203" pitchFamily="34" charset="0"/>
                 <a:ea typeface="Times New Roman" panose="02020603050405020304" pitchFamily="18" charset="0"/>
@@ -4015,7 +4023,7 @@
               </a:rPr>
               <a:t>Part </a:t>
             </a:r>
-            <a:r xmlns:a="http://schemas.openxmlformats.org/drawingml/2006/main">
+            <a:r>
               <a:rPr lang="en" b="1" kern="0" dirty="0" smtClean="0">
                 <a:latin typeface="Segoe UI" panose="020B0502040204020203" pitchFamily="34" charset="0"/>
                 <a:ea typeface="Times New Roman" panose="02020603050405020304" pitchFamily="18" charset="0"/>
@@ -4023,7 +4031,7 @@
               </a:rPr>
               <a:t>II</a:t>
             </a:r>
-            <a:endParaRPr xmlns:a="http://schemas.openxmlformats.org/drawingml/2006/main" lang="en-US" b="1" dirty="0"/>
+            <a:endParaRPr lang="en-US" b="1" dirty="0"/>
           </a:p>
         </p:txBody>
       </p:sp>
@@ -4048,7 +4056,7 @@
           </a:bodyPr>
           <a:lstStyle/>
           <a:p>
-            <a:pPr xmlns:a="http://schemas.openxmlformats.org/drawingml/2006/main" lvl="0" eaLnBrk="0" fontAlgn="base" hangingPunct="0">
+            <a:pPr lvl="0" eaLnBrk="0" fontAlgn="base" hangingPunct="0">
               <a:spcBef>
                 <a:spcPct val="0"/>
               </a:spcBef>
@@ -4056,7 +4064,7 @@
                 <a:spcPct val="0"/>
               </a:spcAft>
             </a:pPr>
-            <a:r xmlns:a="http://schemas.openxmlformats.org/drawingml/2006/main">
+            <a:r>
               <a:rPr lang="en" altLang="en-US" dirty="0">
                 <a:latin typeface="Arial" panose="020B0604020202020204" pitchFamily="34" charset="0"/>
               </a:rPr>
@@ -4064,7 +4072,7 @@
             </a:r>
           </a:p>
           <a:p>
-            <a:pPr xmlns:a="http://schemas.openxmlformats.org/drawingml/2006/main" lvl="0" eaLnBrk="0" fontAlgn="base" hangingPunct="0">
+            <a:pPr lvl="0" eaLnBrk="0" fontAlgn="base" hangingPunct="0">
               <a:spcBef>
                 <a:spcPct val="0"/>
               </a:spcBef>
@@ -4072,61 +4080,61 @@
                 <a:spcPct val="0"/>
               </a:spcAft>
             </a:pPr>
-            <a:r xmlns:a="http://schemas.openxmlformats.org/drawingml/2006/main">
+            <a:r>
               <a:rPr lang="en" altLang="en-US" dirty="0">
                 <a:latin typeface="Arial" panose="020B0604020202020204" pitchFamily="34" charset="0"/>
               </a:rPr>
               <a:t>  </a:t>
             </a:r>
-            <a:r xmlns:a="http://schemas.openxmlformats.org/drawingml/2006/main">
+            <a:r>
               <a:rPr lang="en" altLang="en-US" b="1" dirty="0">
                 <a:latin typeface="Arial" panose="020B0604020202020204" pitchFamily="34" charset="0"/>
               </a:rPr>
               <a:t>ID </a:t>
             </a:r>
-            <a:r xmlns:a="http://schemas.openxmlformats.org/drawingml/2006/main">
+            <a:r>
               <a:rPr lang="en" altLang="en-US" dirty="0">
                 <a:latin typeface="Arial" panose="020B0604020202020204" pitchFamily="34" charset="0"/>
               </a:rPr>
               <a:t>, </a:t>
             </a:r>
-            <a:r xmlns:a="http://schemas.openxmlformats.org/drawingml/2006/main">
+            <a:r>
               <a:rPr lang="en" altLang="en-US" b="1" dirty="0">
                 <a:latin typeface="Arial" panose="020B0604020202020204" pitchFamily="34" charset="0"/>
               </a:rPr>
               <a:t>First Name </a:t>
             </a:r>
-            <a:r xmlns:a="http://schemas.openxmlformats.org/drawingml/2006/main">
+            <a:r>
               <a:rPr lang="en" altLang="en-US" dirty="0">
                 <a:latin typeface="Arial" panose="020B0604020202020204" pitchFamily="34" charset="0"/>
               </a:rPr>
               <a:t>, </a:t>
             </a:r>
-            <a:r xmlns:a="http://schemas.openxmlformats.org/drawingml/2006/main">
+            <a:r>
               <a:rPr lang="en" altLang="en-US" b="1" dirty="0" err="1">
                 <a:latin typeface="Arial" panose="020B0604020202020204" pitchFamily="34" charset="0"/>
               </a:rPr>
               <a:t>Family </a:t>
             </a:r>
-            <a:r xmlns:a="http://schemas.openxmlformats.org/drawingml/2006/main">
+            <a:r>
               <a:rPr lang="en" altLang="en-US" b="1" dirty="0">
                 <a:latin typeface="Arial" panose="020B0604020202020204" pitchFamily="34" charset="0"/>
               </a:rPr>
               <a:t>Name </a:t>
             </a:r>
-            <a:r xmlns:a="http://schemas.openxmlformats.org/drawingml/2006/main">
+            <a:r>
               <a:rPr lang="en" altLang="en-US" dirty="0">
                 <a:latin typeface="Arial" panose="020B0604020202020204" pitchFamily="34" charset="0"/>
               </a:rPr>
               <a:t>, and </a:t>
             </a:r>
-            <a:r xmlns:a="http://schemas.openxmlformats.org/drawingml/2006/main">
+            <a:r>
               <a:rPr lang="en" altLang="en-US" b="1" dirty="0">
                 <a:latin typeface="Arial" panose="020B0604020202020204" pitchFamily="34" charset="0"/>
               </a:rPr>
               <a:t>Post </a:t>
             </a:r>
-            <a:r xmlns:a="http://schemas.openxmlformats.org/drawingml/2006/main">
+            <a:r>
               <a:rPr lang="en" altLang="en-US" dirty="0">
                 <a:latin typeface="Arial" panose="020B0604020202020204" pitchFamily="34" charset="0"/>
               </a:rPr>
@@ -4195,27 +4203,27 @@
           </a:bodyPr>
           <a:lstStyle/>
           <a:p>
-            <a:r xmlns:a="http://schemas.openxmlformats.org/drawingml/2006/main">
+            <a:r>
               <a:rPr lang="en" sz="2000" dirty="0"/>
               <a:t>Select the </a:t>
             </a:r>
-            <a:r xmlns:a="http://schemas.openxmlformats.org/drawingml/2006/main">
+            <a:r>
               <a:rPr lang="en" sz="2000" b="1" dirty="0"/>
               <a:t>"First Name" and " </a:t>
             </a:r>
-            <a:r xmlns:a="http://schemas.openxmlformats.org/drawingml/2006/main">
+            <a:r>
               <a:rPr lang="en" sz="2000" b="1" dirty="0" err="1"/>
               <a:t>Family </a:t>
             </a:r>
-            <a:r xmlns:a="http://schemas.openxmlformats.org/drawingml/2006/main">
+            <a:r>
               <a:rPr lang="en" sz="2000" b="1" dirty="0"/>
               <a:t>Name" columns </a:t>
             </a:r>
-            <a:r xmlns:a="http://schemas.openxmlformats.org/drawingml/2006/main">
+            <a:r>
               <a:rPr lang="en" sz="2000" dirty="0"/>
               <a:t>.</a:t>
             </a:r>
-            <a:endParaRPr xmlns:a="http://schemas.openxmlformats.org/drawingml/2006/main" lang="en-US" sz="2000" dirty="0"/>
+            <a:endParaRPr lang="en-US" sz="2000" dirty="0"/>
           </a:p>
         </p:txBody>
       </p:sp>
@@ -4270,7 +4278,7 @@
           </a:bodyPr>
           <a:lstStyle/>
           <a:p>
-            <a:r xmlns:a="http://schemas.openxmlformats.org/drawingml/2006/main">
+            <a:r>
               <a:rPr lang="en" b="1" kern="0" dirty="0" err="1" smtClean="0">
                 <a:latin typeface="Segoe UI" panose="020B0502040204020203" pitchFamily="34" charset="0"/>
                 <a:ea typeface="Times New Roman" panose="02020603050405020304" pitchFamily="18" charset="0"/>
@@ -4278,23 +4286,15 @@
               </a:rPr>
               <a:t>Basic </a:t>
             </a:r>
-            <a:r xmlns:a="http://schemas.openxmlformats.org/drawingml/2006/main">
+            <a:r>
               <a:rPr lang="en" b="1" kern="0" dirty="0" smtClean="0">
                 <a:latin typeface="Segoe UI" panose="020B0502040204020203" pitchFamily="34" charset="0"/>
                 <a:ea typeface="Times New Roman" panose="02020603050405020304" pitchFamily="18" charset="0"/>
                 <a:cs typeface="Times New Roman" panose="02020603050405020304" pitchFamily="18" charset="0"/>
               </a:rPr>
-              <a:t>transformations</a:t>
-            </a:r>
-            <a:r xmlns:a="http://schemas.openxmlformats.org/drawingml/2006/main">
-              <a:rPr lang="en" b="1" kern="0" dirty="0" smtClean="0">
-                <a:latin typeface="Segoe UI" panose="020B0502040204020203" pitchFamily="34" charset="0"/>
-                <a:ea typeface="Times New Roman" panose="02020603050405020304" pitchFamily="18" charset="0"/>
-                <a:cs typeface="Times New Roman" panose="02020603050405020304" pitchFamily="18" charset="0"/>
-              </a:rPr>
-              <a:t> </a:t>
-            </a:r>
-            <a:r xmlns:a="http://schemas.openxmlformats.org/drawingml/2006/main">
+              <a:t>transformations </a:t>
+            </a:r>
+            <a:r>
               <a:rPr lang="en" b="1" kern="0" dirty="0" err="1" smtClean="0">
                 <a:latin typeface="Segoe UI" panose="020B0502040204020203" pitchFamily="34" charset="0"/>
                 <a:ea typeface="Times New Roman" panose="02020603050405020304" pitchFamily="18" charset="0"/>
@@ -4302,7 +4302,7 @@
               </a:rPr>
               <a:t>Part </a:t>
             </a:r>
-            <a:r xmlns:a="http://schemas.openxmlformats.org/drawingml/2006/main">
+            <a:r>
               <a:rPr lang="en" b="1" kern="0" dirty="0" smtClean="0">
                 <a:latin typeface="Segoe UI" panose="020B0502040204020203" pitchFamily="34" charset="0"/>
                 <a:ea typeface="Times New Roman" panose="02020603050405020304" pitchFamily="18" charset="0"/>
@@ -4310,7 +4310,7 @@
               </a:rPr>
               <a:t>II</a:t>
             </a:r>
-            <a:endParaRPr xmlns:a="http://schemas.openxmlformats.org/drawingml/2006/main" lang="en-US" b="1" dirty="0"/>
+            <a:endParaRPr lang="en-US" b="1" dirty="0"/>
           </a:p>
         </p:txBody>
       </p:sp>
@@ -4542,39 +4542,31 @@
           </a:bodyPr>
           <a:lstStyle/>
           <a:p>
-            <a:r xmlns:a="http://schemas.openxmlformats.org/drawingml/2006/main">
+            <a:r>
               <a:rPr lang="en" sz="2000" b="1" dirty="0"/>
-              <a:t>Right-click and observe the presence of the </a:t>
-            </a:r>
-            <a:r xmlns:a="http://schemas.openxmlformats.org/drawingml/2006/main">
-              <a:rPr lang="en" sz="2000" b="1" dirty="0"/>
-              <a:t>Merge Columns </a:t>
-            </a:r>
-            <a:r xmlns:a="http://schemas.openxmlformats.org/drawingml/2006/main">
+              <a:t>Right-click and observe the presence of the Merge Columns </a:t>
+            </a:r>
+            <a:r>
               <a:rPr lang="en" sz="2000" dirty="0"/>
-              <a:t>feature </a:t>
-            </a:r>
-            <a:r xmlns:a="http://schemas.openxmlformats.org/drawingml/2006/main">
-              <a:rPr lang="en" sz="2000" dirty="0"/>
-              <a:t>( </a:t>
-            </a:r>
-            <a:r xmlns:a="http://schemas.openxmlformats.org/drawingml/2006/main">
+              <a:t>feature ( </a:t>
+            </a:r>
+            <a:r>
               <a:rPr lang="en" sz="2000" i="1" dirty="0" err="1"/>
               <a:t>Merge</a:t>
             </a:r>
-            <a:r xmlns:a="http://schemas.openxmlformats.org/drawingml/2006/main">
+            <a:r>
               <a:rPr lang="en" sz="2000" i="1" dirty="0"/>
               <a:t> </a:t>
             </a:r>
-            <a:r xmlns:a="http://schemas.openxmlformats.org/drawingml/2006/main">
+            <a:r>
               <a:rPr lang="en" sz="2000" i="1" dirty="0" err="1"/>
               <a:t>Columns </a:t>
             </a:r>
-            <a:r xmlns:a="http://schemas.openxmlformats.org/drawingml/2006/main">
+            <a:r>
               <a:rPr lang="en" sz="2000" dirty="0"/>
               <a:t>).</a:t>
             </a:r>
-            <a:endParaRPr xmlns:a="http://schemas.openxmlformats.org/drawingml/2006/main" lang="en-US" sz="2000" dirty="0"/>
+            <a:endParaRPr lang="en-US" sz="2000" dirty="0"/>
           </a:p>
         </p:txBody>
       </p:sp>
@@ -4599,31 +4591,11 @@
           </a:bodyPr>
           <a:lstStyle/>
           <a:p>
-            <a:r xmlns:a="http://schemas.openxmlformats.org/drawingml/2006/main">
+            <a:r>
               <a:rPr lang="en" sz="2000" dirty="0"/>
               <a:t>same </a:t>
             </a:r>
-            <a:endParaRPr xmlns:a="http://schemas.openxmlformats.org/drawingml/2006/main" lang="en-US" sz="2000" dirty="0"/>
-            <a:r xmlns:a="http://schemas.openxmlformats.org/drawingml/2006/main">
-              <a:rPr lang="en" sz="2000" b="1" dirty="0"/>
-              <a:t>functionality </a:t>
-            </a:r>
-            <a:r xmlns:a="http://schemas.openxmlformats.org/drawingml/2006/main">
-              <a:rPr lang="en" sz="2000" dirty="0"/>
-              <a:t>in the </a:t>
-            </a:r>
-            <a:r xmlns:a="http://schemas.openxmlformats.org/drawingml/2006/main">
-              <a:rPr lang="en" sz="2000" b="1" dirty="0"/>
-              <a:t>Transform </a:t>
-            </a:r>
-            <a:r xmlns:a="http://schemas.openxmlformats.org/drawingml/2006/main">
-              <a:rPr lang="en" sz="2000" dirty="0"/>
-              <a:t>tab </a:t>
-            </a:r>
-            <a:r xmlns:a="http://schemas.openxmlformats.org/drawingml/2006/main">
-              <a:rPr lang="en" sz="2000" i="1" dirty="0" err="1"/>
-              <a:t>.</a:t>
-            </a:r>
+            <a:endParaRPr lang="en-US" sz="2000" dirty="0"/>
           </a:p>
         </p:txBody>
       </p:sp>
@@ -4678,7 +4650,7 @@
           </a:bodyPr>
           <a:lstStyle/>
           <a:p>
-            <a:r xmlns:a="http://schemas.openxmlformats.org/drawingml/2006/main">
+            <a:r>
               <a:rPr lang="en" b="1" kern="0" dirty="0" err="1" smtClean="0">
                 <a:latin typeface="Segoe UI" panose="020B0502040204020203" pitchFamily="34" charset="0"/>
                 <a:ea typeface="Times New Roman" panose="02020603050405020304" pitchFamily="18" charset="0"/>
@@ -4686,23 +4658,15 @@
               </a:rPr>
               <a:t>Basic </a:t>
             </a:r>
-            <a:r xmlns:a="http://schemas.openxmlformats.org/drawingml/2006/main">
+            <a:r>
               <a:rPr lang="en" b="1" kern="0" dirty="0" smtClean="0">
                 <a:latin typeface="Segoe UI" panose="020B0502040204020203" pitchFamily="34" charset="0"/>
                 <a:ea typeface="Times New Roman" panose="02020603050405020304" pitchFamily="18" charset="0"/>
                 <a:cs typeface="Times New Roman" panose="02020603050405020304" pitchFamily="18" charset="0"/>
               </a:rPr>
-              <a:t>transformations</a:t>
-            </a:r>
-            <a:r xmlns:a="http://schemas.openxmlformats.org/drawingml/2006/main">
-              <a:rPr lang="en" b="1" kern="0" dirty="0" smtClean="0">
-                <a:latin typeface="Segoe UI" panose="020B0502040204020203" pitchFamily="34" charset="0"/>
-                <a:ea typeface="Times New Roman" panose="02020603050405020304" pitchFamily="18" charset="0"/>
-                <a:cs typeface="Times New Roman" panose="02020603050405020304" pitchFamily="18" charset="0"/>
-              </a:rPr>
-              <a:t> </a:t>
-            </a:r>
-            <a:r xmlns:a="http://schemas.openxmlformats.org/drawingml/2006/main">
+              <a:t>transformations </a:t>
+            </a:r>
+            <a:r>
               <a:rPr lang="en" b="1" kern="0" dirty="0" err="1" smtClean="0">
                 <a:latin typeface="Segoe UI" panose="020B0502040204020203" pitchFamily="34" charset="0"/>
                 <a:ea typeface="Times New Roman" panose="02020603050405020304" pitchFamily="18" charset="0"/>
@@ -4710,7 +4674,7 @@
               </a:rPr>
               <a:t>Part </a:t>
             </a:r>
-            <a:r xmlns:a="http://schemas.openxmlformats.org/drawingml/2006/main">
+            <a:r>
               <a:rPr lang="en" b="1" kern="0" dirty="0" smtClean="0">
                 <a:latin typeface="Segoe UI" panose="020B0502040204020203" pitchFamily="34" charset="0"/>
                 <a:ea typeface="Times New Roman" panose="02020603050405020304" pitchFamily="18" charset="0"/>
@@ -4718,7 +4682,7 @@
               </a:rPr>
               <a:t>II</a:t>
             </a:r>
-            <a:endParaRPr xmlns:a="http://schemas.openxmlformats.org/drawingml/2006/main" lang="en-US" b="1" dirty="0"/>
+            <a:endParaRPr lang="en-US" b="1" dirty="0"/>
           </a:p>
         </p:txBody>
       </p:sp>
@@ -4827,35 +4791,35 @@
           </a:bodyPr>
           <a:lstStyle/>
           <a:p>
-            <a:r xmlns:a="http://schemas.openxmlformats.org/drawingml/2006/main">
+            <a:r>
               <a:rPr lang="en" dirty="0"/>
               <a:t>Change the separator setting to </a:t>
             </a:r>
-            <a:r xmlns:a="http://schemas.openxmlformats.org/drawingml/2006/main">
+            <a:r>
               <a:rPr lang="en" b="1" dirty="0"/>
               <a:t>"Space" </a:t>
             </a:r>
-            <a:r xmlns:a="http://schemas.openxmlformats.org/drawingml/2006/main">
+            <a:r>
               <a:rPr lang="en" dirty="0"/>
               <a:t>, rename the column to </a:t>
             </a:r>
-            <a:r xmlns:a="http://schemas.openxmlformats.org/drawingml/2006/main">
+            <a:r>
               <a:rPr lang="en" b="1" dirty="0"/>
               <a:t>"Full Name" </a:t>
             </a:r>
-            <a:r xmlns:a="http://schemas.openxmlformats.org/drawingml/2006/main">
+            <a:r>
               <a:rPr lang="en" dirty="0"/>
               <a:t>, and then click </a:t>
             </a:r>
-            <a:r xmlns:a="http://schemas.openxmlformats.org/drawingml/2006/main">
+            <a:r>
               <a:rPr lang="en" b="1" dirty="0"/>
               <a:t>OK </a:t>
             </a:r>
-            <a:r xmlns:a="http://schemas.openxmlformats.org/drawingml/2006/main">
+            <a:r>
               <a:rPr lang="en" dirty="0"/>
               <a:t>.</a:t>
             </a:r>
-            <a:endParaRPr xmlns:a="http://schemas.openxmlformats.org/drawingml/2006/main" lang="en-US" dirty="0"/>
+            <a:endParaRPr lang="en-US" dirty="0"/>
           </a:p>
         </p:txBody>
       </p:sp>
@@ -4880,51 +4844,43 @@
           </a:bodyPr>
           <a:lstStyle/>
           <a:p>
-            <a:r xmlns:a="http://schemas.openxmlformats.org/drawingml/2006/main">
+            <a:r>
               <a:rPr lang="en" sz="2000" b="1" dirty="0"/>
               <a:t>Try going back </a:t>
             </a:r>
-            <a:r xmlns:a="http://schemas.openxmlformats.org/drawingml/2006/main">
+            <a:r>
               <a:rPr lang="en" sz="2000" dirty="0"/>
               <a:t>using the </a:t>
             </a:r>
-            <a:r xmlns:a="http://schemas.openxmlformats.org/drawingml/2006/main">
+            <a:r>
               <a:rPr lang="en" sz="2000" b="1" dirty="0"/>
               <a:t>Split Column feature</a:t>
             </a:r>
-            <a:r xmlns:a="http://schemas.openxmlformats.org/drawingml/2006/main">
+            <a:r>
               <a:rPr lang="en" sz="2000" dirty="0"/>
               <a:t> </a:t>
             </a:r>
-            <a:r xmlns:a="http://schemas.openxmlformats.org/drawingml/2006/main">
+            <a:r>
               <a:rPr lang="en" sz="2000" b="1" dirty="0"/>
               <a:t>( </a:t>
             </a:r>
-            <a:r xmlns:a="http://schemas.openxmlformats.org/drawingml/2006/main">
+            <a:r>
               <a:rPr lang="en" sz="2000" b="1" i="1" dirty="0"/>
               <a:t>Split </a:t>
             </a:r>
-            <a:r xmlns:a="http://schemas.openxmlformats.org/drawingml/2006/main">
+            <a:r>
               <a:rPr lang="en" sz="2000" b="1" i="1" dirty="0" err="1"/>
               <a:t>Column </a:t>
             </a:r>
-            <a:r xmlns:a="http://schemas.openxmlformats.org/drawingml/2006/main">
+            <a:r>
               <a:rPr lang="en" sz="2000" b="1" dirty="0"/>
-              <a:t>) still in the </a:t>
-            </a:r>
-            <a:r xmlns:a="http://schemas.openxmlformats.org/drawingml/2006/main">
-              <a:rPr lang="en" sz="2000" b="1" dirty="0"/>
-              <a:t>Transform </a:t>
-            </a:r>
-            <a:r xmlns:a="http://schemas.openxmlformats.org/drawingml/2006/main">
+              <a:t>) still in the Transform </a:t>
+            </a:r>
+            <a:r>
               <a:rPr lang="en" sz="2000" dirty="0"/>
-              <a:t>tab </a:t>
-            </a:r>
-            <a:r xmlns:a="http://schemas.openxmlformats.org/drawingml/2006/main">
-              <a:rPr lang="en" sz="2000" dirty="0"/>
-              <a:t>.</a:t>
-            </a:r>
-            <a:endParaRPr xmlns:a="http://schemas.openxmlformats.org/drawingml/2006/main" lang="en-US" sz="2000" dirty="0"/>
+              <a:t>tab .</a:t>
+            </a:r>
+            <a:endParaRPr lang="en-US" sz="2000" dirty="0"/>
           </a:p>
         </p:txBody>
       </p:sp>
@@ -5013,8 +4969,8 @@
         </p:nvSpPr>
         <p:spPr>
           <a:xfrm>
-            <a:off x="4084981" y="2485566"/>
-            <a:ext cx="3456395" cy="1569660"/>
+            <a:off x="2867927" y="2388974"/>
+            <a:ext cx="6230360" cy="1569660"/>
           </a:xfrm>
           <a:prstGeom prst="rect">
             <a:avLst/>
@@ -5027,8 +4983,8 @@
           </a:bodyPr>
           <a:lstStyle/>
           <a:p>
-            <a:r xmlns:a="http://schemas.openxmlformats.org/drawingml/2006/main">
-              <a:rPr lang="en" sz="9600" b="1" dirty="0" smtClean="0">
+            <a:r>
+              <a:rPr lang="en-US" sz="9600" b="1" dirty="0" smtClean="0">
                 <a:solidFill>
                   <a:srgbClr val="7030A0"/>
                 </a:solidFill>
@@ -5036,9 +4992,9 @@
                 <a:ea typeface="Verdana" panose="020B0604030504040204" pitchFamily="34" charset="0"/>
                 <a:cs typeface="Segoe UI" panose="020B0502040204020203" pitchFamily="34" charset="0"/>
               </a:rPr>
-              <a:t>THANKS</a:t>
-            </a:r>
-            <a:endParaRPr xmlns:a="http://schemas.openxmlformats.org/drawingml/2006/main" lang="en-US" sz="9600" b="1" dirty="0">
+              <a:t>Thank you</a:t>
+            </a:r>
+            <a:endParaRPr lang="en-US" sz="9600" b="1" dirty="0">
               <a:solidFill>
                 <a:srgbClr val="7030A0"/>
               </a:solidFill>
@@ -5057,8 +5013,8 @@
         </p:nvSpPr>
         <p:spPr>
           <a:xfrm>
-            <a:off x="4014739" y="2410365"/>
-            <a:ext cx="3456395" cy="1569660"/>
+            <a:off x="2797685" y="2313773"/>
+            <a:ext cx="6230360" cy="1569660"/>
           </a:xfrm>
           <a:prstGeom prst="rect">
             <a:avLst/>
@@ -5071,8 +5027,8 @@
           </a:bodyPr>
           <a:lstStyle/>
           <a:p>
-            <a:r xmlns:a="http://schemas.openxmlformats.org/drawingml/2006/main">
-              <a:rPr lang="en" sz="9600" b="1" dirty="0" smtClean="0">
+            <a:r>
+              <a:rPr lang="en-US" sz="9600" b="1" dirty="0" smtClean="0">
                 <a:solidFill>
                   <a:schemeClr val="bg1"/>
                 </a:solidFill>
@@ -5080,9 +5036,9 @@
                 <a:ea typeface="Verdana" panose="020B0604030504040204" pitchFamily="34" charset="0"/>
                 <a:cs typeface="Segoe UI" panose="020B0502040204020203" pitchFamily="34" charset="0"/>
               </a:rPr>
-              <a:t>THANKS</a:t>
-            </a:r>
-            <a:endParaRPr xmlns:a="http://schemas.openxmlformats.org/drawingml/2006/main" lang="en-US" sz="9600" b="1" dirty="0">
+              <a:t>Thank you</a:t>
+            </a:r>
+            <a:endParaRPr lang="en-US" sz="9600" b="1" dirty="0">
               <a:solidFill>
                 <a:schemeClr val="bg1"/>
               </a:solidFill>
